--- a/Monitoring/CW/AWS-Cloudwatch.pptx
+++ b/Monitoring/CW/AWS-Cloudwatch.pptx
@@ -5,7 +5,7 @@
     <p:sldMasterId id="2147483660" r:id="rId1"/>
   </p:sldMasterIdLst>
   <p:notesMasterIdLst>
-    <p:notesMasterId r:id="rId9"/>
+    <p:notesMasterId r:id="rId13"/>
   </p:notesMasterIdLst>
   <p:sldIdLst>
     <p:sldId id="291" r:id="rId2"/>
@@ -15,6 +15,10 @@
     <p:sldId id="295" r:id="rId6"/>
     <p:sldId id="296" r:id="rId7"/>
     <p:sldId id="298" r:id="rId8"/>
+    <p:sldId id="303" r:id="rId9"/>
+    <p:sldId id="299" r:id="rId10"/>
+    <p:sldId id="305" r:id="rId11"/>
+    <p:sldId id="304" r:id="rId12"/>
   </p:sldIdLst>
   <p:sldSz cx="12192000" cy="6858000"/>
   <p:notesSz cx="6858000" cy="9144000"/>
@@ -575,6 +579,260 @@
 </p:notes>
 </file>
 
+<file path=ppt/notesSlides/notesSlide10.xml><?xml version="1.0" encoding="utf-8"?>
+<p:notes xmlns:a="http://schemas.openxmlformats.org/drawingml/2006/main" xmlns:r="http://schemas.openxmlformats.org/officeDocument/2006/relationships" xmlns:p="http://schemas.openxmlformats.org/presentationml/2006/main" showMasterSp="0" showMasterPhAnim="0">
+  <p:cSld>
+    <p:spTree>
+      <p:nvGrpSpPr>
+        <p:cNvPr id="1" name="Shape 312">
+          <a:extLst>
+            <a:ext uri="{FF2B5EF4-FFF2-40B4-BE49-F238E27FC236}">
+              <a16:creationId xmlns:a16="http://schemas.microsoft.com/office/drawing/2014/main" id="{5EFE5987-5A5B-F0FE-6124-72FFF13FAC6D}"/>
+            </a:ext>
+          </a:extLst>
+        </p:cNvPr>
+        <p:cNvGrpSpPr/>
+        <p:nvPr/>
+      </p:nvGrpSpPr>
+      <p:grpSpPr>
+        <a:xfrm>
+          <a:off x="0" y="0"/>
+          <a:ext cx="0" cy="0"/>
+          <a:chOff x="0" y="0"/>
+          <a:chExt cx="0" cy="0"/>
+        </a:xfrm>
+      </p:grpSpPr>
+      <p:sp>
+        <p:nvSpPr>
+          <p:cNvPr id="313" name="Google Shape;313;g31ad97d778f_0_136:notes">
+            <a:extLst>
+              <a:ext uri="{FF2B5EF4-FFF2-40B4-BE49-F238E27FC236}">
+                <a16:creationId xmlns:a16="http://schemas.microsoft.com/office/drawing/2014/main" id="{462874EC-178F-A7A6-6F07-0A9918E43EE1}"/>
+              </a:ext>
+            </a:extLst>
+          </p:cNvPr>
+          <p:cNvSpPr>
+            <a:spLocks noGrp="1" noRot="1" noChangeAspect="1"/>
+          </p:cNvSpPr>
+          <p:nvPr>
+            <p:ph type="sldImg" idx="2"/>
+          </p:nvPr>
+        </p:nvSpPr>
+        <p:spPr>
+          <a:xfrm>
+            <a:off x="381000" y="685800"/>
+            <a:ext cx="6096000" cy="3429000"/>
+          </a:xfrm>
+          <a:custGeom>
+            <a:avLst/>
+            <a:gdLst/>
+            <a:ahLst/>
+            <a:cxnLst/>
+            <a:rect l="l" t="t" r="r" b="b"/>
+            <a:pathLst>
+              <a:path w="120000" h="120000" extrusionOk="0">
+                <a:moveTo>
+                  <a:pt x="0" y="0"/>
+                </a:moveTo>
+                <a:lnTo>
+                  <a:pt x="120000" y="0"/>
+                </a:lnTo>
+                <a:lnTo>
+                  <a:pt x="120000" y="120000"/>
+                </a:lnTo>
+                <a:lnTo>
+                  <a:pt x="0" y="120000"/>
+                </a:lnTo>
+                <a:close/>
+              </a:path>
+            </a:pathLst>
+          </a:custGeom>
+        </p:spPr>
+      </p:sp>
+      <p:sp>
+        <p:nvSpPr>
+          <p:cNvPr id="314" name="Google Shape;314;g31ad97d778f_0_136:notes">
+            <a:extLst>
+              <a:ext uri="{FF2B5EF4-FFF2-40B4-BE49-F238E27FC236}">
+                <a16:creationId xmlns:a16="http://schemas.microsoft.com/office/drawing/2014/main" id="{1BC3DE18-B008-7918-0A20-A32DBF61E926}"/>
+              </a:ext>
+            </a:extLst>
+          </p:cNvPr>
+          <p:cNvSpPr txBox="1">
+            <a:spLocks noGrp="1"/>
+          </p:cNvSpPr>
+          <p:nvPr>
+            <p:ph type="body" idx="1"/>
+          </p:nvPr>
+        </p:nvSpPr>
+        <p:spPr>
+          <a:xfrm>
+            <a:off x="685800" y="4343400"/>
+            <a:ext cx="5486400" cy="4114800"/>
+          </a:xfrm>
+          <a:prstGeom prst="rect">
+            <a:avLst/>
+          </a:prstGeom>
+        </p:spPr>
+        <p:txBody>
+          <a:bodyPr spcFirstLastPara="1" wrap="square" lIns="91425" tIns="91425" rIns="91425" bIns="91425" anchor="t" anchorCtr="0">
+            <a:noAutofit/>
+          </a:bodyPr>
+          <a:lstStyle/>
+          <a:p>
+            <a:pPr marL="0" lvl="0" indent="0" algn="l" rtl="0">
+              <a:spcBef>
+                <a:spcPts val="0"/>
+              </a:spcBef>
+              <a:spcAft>
+                <a:spcPts val="0"/>
+              </a:spcAft>
+              <a:buNone/>
+            </a:pPr>
+            <a:endParaRPr/>
+          </a:p>
+        </p:txBody>
+      </p:sp>
+    </p:spTree>
+    <p:extLst>
+      <p:ext uri="{BB962C8B-B14F-4D97-AF65-F5344CB8AC3E}">
+        <p14:creationId xmlns:p14="http://schemas.microsoft.com/office/powerpoint/2010/main" val="1875034057"/>
+      </p:ext>
+    </p:extLst>
+  </p:cSld>
+  <p:clrMapOvr>
+    <a:masterClrMapping/>
+  </p:clrMapOvr>
+</p:notes>
+</file>
+
+<file path=ppt/notesSlides/notesSlide11.xml><?xml version="1.0" encoding="utf-8"?>
+<p:notes xmlns:a="http://schemas.openxmlformats.org/drawingml/2006/main" xmlns:r="http://schemas.openxmlformats.org/officeDocument/2006/relationships" xmlns:p="http://schemas.openxmlformats.org/presentationml/2006/main" showMasterSp="0" showMasterPhAnim="0">
+  <p:cSld>
+    <p:spTree>
+      <p:nvGrpSpPr>
+        <p:cNvPr id="1" name="Shape 312">
+          <a:extLst>
+            <a:ext uri="{FF2B5EF4-FFF2-40B4-BE49-F238E27FC236}">
+              <a16:creationId xmlns:a16="http://schemas.microsoft.com/office/drawing/2014/main" id="{D9A8D7F9-5318-0F81-8F00-243331648BA1}"/>
+            </a:ext>
+          </a:extLst>
+        </p:cNvPr>
+        <p:cNvGrpSpPr/>
+        <p:nvPr/>
+      </p:nvGrpSpPr>
+      <p:grpSpPr>
+        <a:xfrm>
+          <a:off x="0" y="0"/>
+          <a:ext cx="0" cy="0"/>
+          <a:chOff x="0" y="0"/>
+          <a:chExt cx="0" cy="0"/>
+        </a:xfrm>
+      </p:grpSpPr>
+      <p:sp>
+        <p:nvSpPr>
+          <p:cNvPr id="313" name="Google Shape;313;g31ad97d778f_0_136:notes">
+            <a:extLst>
+              <a:ext uri="{FF2B5EF4-FFF2-40B4-BE49-F238E27FC236}">
+                <a16:creationId xmlns:a16="http://schemas.microsoft.com/office/drawing/2014/main" id="{C4C98DC2-E50C-1360-62F0-E898CD13BC15}"/>
+              </a:ext>
+            </a:extLst>
+          </p:cNvPr>
+          <p:cNvSpPr>
+            <a:spLocks noGrp="1" noRot="1" noChangeAspect="1"/>
+          </p:cNvSpPr>
+          <p:nvPr>
+            <p:ph type="sldImg" idx="2"/>
+          </p:nvPr>
+        </p:nvSpPr>
+        <p:spPr>
+          <a:xfrm>
+            <a:off x="381000" y="685800"/>
+            <a:ext cx="6096000" cy="3429000"/>
+          </a:xfrm>
+          <a:custGeom>
+            <a:avLst/>
+            <a:gdLst/>
+            <a:ahLst/>
+            <a:cxnLst/>
+            <a:rect l="l" t="t" r="r" b="b"/>
+            <a:pathLst>
+              <a:path w="120000" h="120000" extrusionOk="0">
+                <a:moveTo>
+                  <a:pt x="0" y="0"/>
+                </a:moveTo>
+                <a:lnTo>
+                  <a:pt x="120000" y="0"/>
+                </a:lnTo>
+                <a:lnTo>
+                  <a:pt x="120000" y="120000"/>
+                </a:lnTo>
+                <a:lnTo>
+                  <a:pt x="0" y="120000"/>
+                </a:lnTo>
+                <a:close/>
+              </a:path>
+            </a:pathLst>
+          </a:custGeom>
+        </p:spPr>
+      </p:sp>
+      <p:sp>
+        <p:nvSpPr>
+          <p:cNvPr id="314" name="Google Shape;314;g31ad97d778f_0_136:notes">
+            <a:extLst>
+              <a:ext uri="{FF2B5EF4-FFF2-40B4-BE49-F238E27FC236}">
+                <a16:creationId xmlns:a16="http://schemas.microsoft.com/office/drawing/2014/main" id="{AAD946B1-54DF-490E-FA17-A4679A36D414}"/>
+              </a:ext>
+            </a:extLst>
+          </p:cNvPr>
+          <p:cNvSpPr txBox="1">
+            <a:spLocks noGrp="1"/>
+          </p:cNvSpPr>
+          <p:nvPr>
+            <p:ph type="body" idx="1"/>
+          </p:nvPr>
+        </p:nvSpPr>
+        <p:spPr>
+          <a:xfrm>
+            <a:off x="685800" y="4343400"/>
+            <a:ext cx="5486400" cy="4114800"/>
+          </a:xfrm>
+          <a:prstGeom prst="rect">
+            <a:avLst/>
+          </a:prstGeom>
+        </p:spPr>
+        <p:txBody>
+          <a:bodyPr spcFirstLastPara="1" wrap="square" lIns="91425" tIns="91425" rIns="91425" bIns="91425" anchor="t" anchorCtr="0">
+            <a:noAutofit/>
+          </a:bodyPr>
+          <a:lstStyle/>
+          <a:p>
+            <a:pPr marL="0" lvl="0" indent="0" algn="l" rtl="0">
+              <a:spcBef>
+                <a:spcPts val="0"/>
+              </a:spcBef>
+              <a:spcAft>
+                <a:spcPts val="0"/>
+              </a:spcAft>
+              <a:buNone/>
+            </a:pPr>
+            <a:endParaRPr/>
+          </a:p>
+        </p:txBody>
+      </p:sp>
+    </p:spTree>
+    <p:extLst>
+      <p:ext uri="{BB962C8B-B14F-4D97-AF65-F5344CB8AC3E}">
+        <p14:creationId xmlns:p14="http://schemas.microsoft.com/office/powerpoint/2010/main" val="1488972535"/>
+      </p:ext>
+    </p:extLst>
+  </p:cSld>
+  <p:clrMapOvr>
+    <a:masterClrMapping/>
+  </p:clrMapOvr>
+</p:notes>
+</file>
+
 <file path=ppt/notesSlides/notesSlide2.xml><?xml version="1.0" encoding="utf-8"?>
 <p:notes xmlns:a="http://schemas.openxmlformats.org/drawingml/2006/main" xmlns:r="http://schemas.openxmlformats.org/officeDocument/2006/relationships" xmlns:p="http://schemas.openxmlformats.org/presentationml/2006/main" showMasterSp="0" showMasterPhAnim="0">
   <p:cSld>
@@ -1156,6 +1414,237 @@
       <p:sp>
         <p:nvSpPr>
           <p:cNvPr id="314" name="Google Shape;314;g31ad97d778f_0_136:notes"/>
+          <p:cNvSpPr txBox="1">
+            <a:spLocks noGrp="1"/>
+          </p:cNvSpPr>
+          <p:nvPr>
+            <p:ph type="body" idx="1"/>
+          </p:nvPr>
+        </p:nvSpPr>
+        <p:spPr>
+          <a:xfrm>
+            <a:off x="685800" y="4343400"/>
+            <a:ext cx="5486400" cy="4114800"/>
+          </a:xfrm>
+          <a:prstGeom prst="rect">
+            <a:avLst/>
+          </a:prstGeom>
+        </p:spPr>
+        <p:txBody>
+          <a:bodyPr spcFirstLastPara="1" wrap="square" lIns="91425" tIns="91425" rIns="91425" bIns="91425" anchor="t" anchorCtr="0">
+            <a:noAutofit/>
+          </a:bodyPr>
+          <a:lstStyle/>
+          <a:p>
+            <a:pPr marL="0" lvl="0" indent="0" algn="l" rtl="0">
+              <a:spcBef>
+                <a:spcPts val="0"/>
+              </a:spcBef>
+              <a:spcAft>
+                <a:spcPts val="0"/>
+              </a:spcAft>
+              <a:buNone/>
+            </a:pPr>
+            <a:endParaRPr/>
+          </a:p>
+        </p:txBody>
+      </p:sp>
+    </p:spTree>
+  </p:cSld>
+  <p:clrMapOvr>
+    <a:masterClrMapping/>
+  </p:clrMapOvr>
+</p:notes>
+</file>
+
+<file path=ppt/notesSlides/notesSlide8.xml><?xml version="1.0" encoding="utf-8"?>
+<p:notes xmlns:a="http://schemas.openxmlformats.org/drawingml/2006/main" xmlns:r="http://schemas.openxmlformats.org/officeDocument/2006/relationships" xmlns:p="http://schemas.openxmlformats.org/presentationml/2006/main" showMasterSp="0" showMasterPhAnim="0">
+  <p:cSld>
+    <p:spTree>
+      <p:nvGrpSpPr>
+        <p:cNvPr id="1" name="Shape 312">
+          <a:extLst>
+            <a:ext uri="{FF2B5EF4-FFF2-40B4-BE49-F238E27FC236}">
+              <a16:creationId xmlns:a16="http://schemas.microsoft.com/office/drawing/2014/main" id="{3B8CE1E3-B90A-10AD-1AFA-3005A652E064}"/>
+            </a:ext>
+          </a:extLst>
+        </p:cNvPr>
+        <p:cNvGrpSpPr/>
+        <p:nvPr/>
+      </p:nvGrpSpPr>
+      <p:grpSpPr>
+        <a:xfrm>
+          <a:off x="0" y="0"/>
+          <a:ext cx="0" cy="0"/>
+          <a:chOff x="0" y="0"/>
+          <a:chExt cx="0" cy="0"/>
+        </a:xfrm>
+      </p:grpSpPr>
+      <p:sp>
+        <p:nvSpPr>
+          <p:cNvPr id="313" name="Google Shape;313;g31ad97d778f_0_136:notes">
+            <a:extLst>
+              <a:ext uri="{FF2B5EF4-FFF2-40B4-BE49-F238E27FC236}">
+                <a16:creationId xmlns:a16="http://schemas.microsoft.com/office/drawing/2014/main" id="{0AC3B5A9-6E0B-9F52-879E-DD8B206EC9B9}"/>
+              </a:ext>
+            </a:extLst>
+          </p:cNvPr>
+          <p:cNvSpPr>
+            <a:spLocks noGrp="1" noRot="1" noChangeAspect="1"/>
+          </p:cNvSpPr>
+          <p:nvPr>
+            <p:ph type="sldImg" idx="2"/>
+          </p:nvPr>
+        </p:nvSpPr>
+        <p:spPr>
+          <a:xfrm>
+            <a:off x="381000" y="685800"/>
+            <a:ext cx="6096000" cy="3429000"/>
+          </a:xfrm>
+          <a:custGeom>
+            <a:avLst/>
+            <a:gdLst/>
+            <a:ahLst/>
+            <a:cxnLst/>
+            <a:rect l="l" t="t" r="r" b="b"/>
+            <a:pathLst>
+              <a:path w="120000" h="120000" extrusionOk="0">
+                <a:moveTo>
+                  <a:pt x="0" y="0"/>
+                </a:moveTo>
+                <a:lnTo>
+                  <a:pt x="120000" y="0"/>
+                </a:lnTo>
+                <a:lnTo>
+                  <a:pt x="120000" y="120000"/>
+                </a:lnTo>
+                <a:lnTo>
+                  <a:pt x="0" y="120000"/>
+                </a:lnTo>
+                <a:close/>
+              </a:path>
+            </a:pathLst>
+          </a:custGeom>
+        </p:spPr>
+      </p:sp>
+      <p:sp>
+        <p:nvSpPr>
+          <p:cNvPr id="314" name="Google Shape;314;g31ad97d778f_0_136:notes">
+            <a:extLst>
+              <a:ext uri="{FF2B5EF4-FFF2-40B4-BE49-F238E27FC236}">
+                <a16:creationId xmlns:a16="http://schemas.microsoft.com/office/drawing/2014/main" id="{FDA64BA6-B49D-B4D6-0570-3FDBAA8F41CE}"/>
+              </a:ext>
+            </a:extLst>
+          </p:cNvPr>
+          <p:cNvSpPr txBox="1">
+            <a:spLocks noGrp="1"/>
+          </p:cNvSpPr>
+          <p:nvPr>
+            <p:ph type="body" idx="1"/>
+          </p:nvPr>
+        </p:nvSpPr>
+        <p:spPr>
+          <a:xfrm>
+            <a:off x="685800" y="4343400"/>
+            <a:ext cx="5486400" cy="4114800"/>
+          </a:xfrm>
+          <a:prstGeom prst="rect">
+            <a:avLst/>
+          </a:prstGeom>
+        </p:spPr>
+        <p:txBody>
+          <a:bodyPr spcFirstLastPara="1" wrap="square" lIns="91425" tIns="91425" rIns="91425" bIns="91425" anchor="t" anchorCtr="0">
+            <a:noAutofit/>
+          </a:bodyPr>
+          <a:lstStyle/>
+          <a:p>
+            <a:pPr marL="0" lvl="0" indent="0" algn="l" rtl="0">
+              <a:spcBef>
+                <a:spcPts val="0"/>
+              </a:spcBef>
+              <a:spcAft>
+                <a:spcPts val="0"/>
+              </a:spcAft>
+              <a:buNone/>
+            </a:pPr>
+            <a:endParaRPr/>
+          </a:p>
+        </p:txBody>
+      </p:sp>
+    </p:spTree>
+    <p:extLst>
+      <p:ext uri="{BB962C8B-B14F-4D97-AF65-F5344CB8AC3E}">
+        <p14:creationId xmlns:p14="http://schemas.microsoft.com/office/powerpoint/2010/main" val="3285823001"/>
+      </p:ext>
+    </p:extLst>
+  </p:cSld>
+  <p:clrMapOvr>
+    <a:masterClrMapping/>
+  </p:clrMapOvr>
+</p:notes>
+</file>
+
+<file path=ppt/notesSlides/notesSlide9.xml><?xml version="1.0" encoding="utf-8"?>
+<p:notes xmlns:a="http://schemas.openxmlformats.org/drawingml/2006/main" xmlns:r="http://schemas.openxmlformats.org/officeDocument/2006/relationships" xmlns:p="http://schemas.openxmlformats.org/presentationml/2006/main" showMasterSp="0" showMasterPhAnim="0">
+  <p:cSld>
+    <p:spTree>
+      <p:nvGrpSpPr>
+        <p:cNvPr id="1" name="Shape 318"/>
+        <p:cNvGrpSpPr/>
+        <p:nvPr/>
+      </p:nvGrpSpPr>
+      <p:grpSpPr>
+        <a:xfrm>
+          <a:off x="0" y="0"/>
+          <a:ext cx="0" cy="0"/>
+          <a:chOff x="0" y="0"/>
+          <a:chExt cx="0" cy="0"/>
+        </a:xfrm>
+      </p:grpSpPr>
+      <p:sp>
+        <p:nvSpPr>
+          <p:cNvPr id="319" name="Google Shape;319;g31ad97d778f_0_143:notes"/>
+          <p:cNvSpPr>
+            <a:spLocks noGrp="1" noRot="1" noChangeAspect="1"/>
+          </p:cNvSpPr>
+          <p:nvPr>
+            <p:ph type="sldImg" idx="2"/>
+          </p:nvPr>
+        </p:nvSpPr>
+        <p:spPr>
+          <a:xfrm>
+            <a:off x="381000" y="685800"/>
+            <a:ext cx="6096000" cy="3429000"/>
+          </a:xfrm>
+          <a:custGeom>
+            <a:avLst/>
+            <a:gdLst/>
+            <a:ahLst/>
+            <a:cxnLst/>
+            <a:rect l="l" t="t" r="r" b="b"/>
+            <a:pathLst>
+              <a:path w="120000" h="120000" extrusionOk="0">
+                <a:moveTo>
+                  <a:pt x="0" y="0"/>
+                </a:moveTo>
+                <a:lnTo>
+                  <a:pt x="120000" y="0"/>
+                </a:lnTo>
+                <a:lnTo>
+                  <a:pt x="120000" y="120000"/>
+                </a:lnTo>
+                <a:lnTo>
+                  <a:pt x="0" y="120000"/>
+                </a:lnTo>
+                <a:close/>
+              </a:path>
+            </a:pathLst>
+          </a:custGeom>
+        </p:spPr>
+      </p:sp>
+      <p:sp>
+        <p:nvSpPr>
+          <p:cNvPr id="320" name="Google Shape;320;g31ad97d778f_0_143:notes"/>
           <p:cNvSpPr txBox="1">
             <a:spLocks noGrp="1"/>
           </p:cNvSpPr>
@@ -6825,6 +7314,1484 @@
 </p:sld>
 </file>
 
+<file path=ppt/slides/slide10.xml><?xml version="1.0" encoding="utf-8"?>
+<p:sld xmlns:a="http://schemas.openxmlformats.org/drawingml/2006/main" xmlns:r="http://schemas.openxmlformats.org/officeDocument/2006/relationships" xmlns:p="http://schemas.openxmlformats.org/presentationml/2006/main">
+  <p:cSld>
+    <p:spTree>
+      <p:nvGrpSpPr>
+        <p:cNvPr id="1" name="Shape 315">
+          <a:extLst>
+            <a:ext uri="{FF2B5EF4-FFF2-40B4-BE49-F238E27FC236}">
+              <a16:creationId xmlns:a16="http://schemas.microsoft.com/office/drawing/2014/main" id="{A61F880F-26F3-786A-D86E-E33B7A0E3D13}"/>
+            </a:ext>
+          </a:extLst>
+        </p:cNvPr>
+        <p:cNvGrpSpPr/>
+        <p:nvPr/>
+      </p:nvGrpSpPr>
+      <p:grpSpPr>
+        <a:xfrm>
+          <a:off x="0" y="0"/>
+          <a:ext cx="0" cy="0"/>
+          <a:chOff x="0" y="0"/>
+          <a:chExt cx="0" cy="0"/>
+        </a:xfrm>
+      </p:grpSpPr>
+      <p:sp>
+        <p:nvSpPr>
+          <p:cNvPr id="316" name="Google Shape;316;p55">
+            <a:extLst>
+              <a:ext uri="{FF2B5EF4-FFF2-40B4-BE49-F238E27FC236}">
+                <a16:creationId xmlns:a16="http://schemas.microsoft.com/office/drawing/2014/main" id="{8A8FAEFF-AABC-CB05-CA00-4E8460D6D9CC}"/>
+              </a:ext>
+            </a:extLst>
+          </p:cNvPr>
+          <p:cNvSpPr txBox="1">
+            <a:spLocks noGrp="1"/>
+          </p:cNvSpPr>
+          <p:nvPr>
+            <p:ph type="title"/>
+          </p:nvPr>
+        </p:nvSpPr>
+        <p:spPr>
+          <a:xfrm>
+            <a:off x="415600" y="593367"/>
+            <a:ext cx="11360800" cy="560519"/>
+          </a:xfrm>
+          <a:prstGeom prst="rect">
+            <a:avLst/>
+          </a:prstGeom>
+        </p:spPr>
+        <p:txBody>
+          <a:bodyPr spcFirstLastPara="1" wrap="square" lIns="121900" tIns="121900" rIns="121900" bIns="121900" anchor="t" anchorCtr="0">
+            <a:noAutofit/>
+          </a:bodyPr>
+          <a:lstStyle/>
+          <a:p>
+            <a:r>
+              <a:rPr lang="en" dirty="0"/>
+              <a:t>Example:</a:t>
+            </a:r>
+            <a:endParaRPr dirty="0"/>
+          </a:p>
+        </p:txBody>
+      </p:sp>
+      <p:sp>
+        <p:nvSpPr>
+          <p:cNvPr id="317" name="Google Shape;317;p55">
+            <a:extLst>
+              <a:ext uri="{FF2B5EF4-FFF2-40B4-BE49-F238E27FC236}">
+                <a16:creationId xmlns:a16="http://schemas.microsoft.com/office/drawing/2014/main" id="{D77A1B4E-8AA1-2F2C-7ACF-E57FB94EAB3B}"/>
+              </a:ext>
+            </a:extLst>
+          </p:cNvPr>
+          <p:cNvSpPr txBox="1">
+            <a:spLocks noGrp="1"/>
+          </p:cNvSpPr>
+          <p:nvPr>
+            <p:ph type="body" idx="1"/>
+          </p:nvPr>
+        </p:nvSpPr>
+        <p:spPr>
+          <a:xfrm>
+            <a:off x="415600" y="1240970"/>
+            <a:ext cx="10992629" cy="5399315"/>
+          </a:xfrm>
+          <a:prstGeom prst="rect">
+            <a:avLst/>
+          </a:prstGeom>
+        </p:spPr>
+        <p:txBody>
+          <a:bodyPr spcFirstLastPara="1" wrap="square" lIns="121900" tIns="121900" rIns="121900" bIns="121900" anchor="t" anchorCtr="0">
+            <a:noAutofit/>
+          </a:bodyPr>
+          <a:lstStyle/>
+          <a:p>
+            <a:pPr marL="0" indent="0">
+              <a:buNone/>
+            </a:pPr>
+            <a:r>
+              <a:rPr lang="en-US" sz="1000" b="1" dirty="0">
+                <a:solidFill>
+                  <a:srgbClr val="188038"/>
+                </a:solidFill>
+                <a:latin typeface="Roboto Mono"/>
+                <a:ea typeface="Roboto Mono"/>
+                <a:cs typeface="Roboto Mono"/>
+                <a:sym typeface="Roboto Mono"/>
+              </a:rPr>
+              <a:t>Setting Up CloudWatch Logs for Nginx on EC2 for Ubuntu</a:t>
+            </a:r>
+          </a:p>
+          <a:p>
+            <a:pPr marL="0" indent="0">
+              <a:buNone/>
+            </a:pPr>
+            <a:endParaRPr lang="en-US" sz="1000" b="1" dirty="0">
+              <a:solidFill>
+                <a:srgbClr val="188038"/>
+              </a:solidFill>
+              <a:latin typeface="Roboto Mono"/>
+              <a:ea typeface="Roboto Mono"/>
+              <a:cs typeface="Roboto Mono"/>
+              <a:sym typeface="Roboto Mono"/>
+            </a:endParaRPr>
+          </a:p>
+          <a:p>
+            <a:pPr marL="0" indent="0">
+              <a:buNone/>
+            </a:pPr>
+            <a:r>
+              <a:rPr lang="en-US" sz="1000" dirty="0">
+                <a:solidFill>
+                  <a:srgbClr val="188038"/>
+                </a:solidFill>
+                <a:latin typeface="Roboto Mono"/>
+                <a:ea typeface="Roboto Mono"/>
+                <a:cs typeface="Roboto Mono"/>
+                <a:sym typeface="Roboto Mono"/>
+              </a:rPr>
+              <a:t>Step 1: Install the CloudWatch agent on your EC2 instance:</a:t>
+            </a:r>
+          </a:p>
+          <a:p>
+            <a:pPr marL="0" indent="0">
+              <a:buNone/>
+            </a:pPr>
+            <a:r>
+              <a:rPr lang="en-US" sz="1000" dirty="0">
+                <a:solidFill>
+                  <a:srgbClr val="188038"/>
+                </a:solidFill>
+                <a:latin typeface="Roboto Mono"/>
+                <a:ea typeface="Roboto Mono"/>
+                <a:cs typeface="Roboto Mono"/>
+                <a:sym typeface="Roboto Mono"/>
+              </a:rPr>
+              <a:t>ssh &lt;server-ip&gt;</a:t>
+            </a:r>
+          </a:p>
+          <a:p>
+            <a:pPr marL="0" indent="0">
+              <a:buNone/>
+            </a:pPr>
+            <a:r>
+              <a:rPr lang="da-DK" sz="1000" dirty="0">
+                <a:solidFill>
+                  <a:srgbClr val="188038"/>
+                </a:solidFill>
+                <a:latin typeface="Roboto Mono"/>
+                <a:ea typeface="Roboto Mono"/>
+                <a:cs typeface="Roboto Mono"/>
+                <a:sym typeface="Roboto Mono"/>
+              </a:rPr>
+              <a:t>wget </a:t>
+            </a:r>
+            <a:r>
+              <a:rPr lang="da-DK" sz="1000" dirty="0">
+                <a:solidFill>
+                  <a:srgbClr val="188038"/>
+                </a:solidFill>
+                <a:latin typeface="Roboto Mono"/>
+                <a:ea typeface="Roboto Mono"/>
+                <a:cs typeface="Roboto Mono"/>
+                <a:sym typeface="Roboto Mono"/>
+                <a:hlinkClick r:id="rId3"/>
+              </a:rPr>
+              <a:t>https://amazoncloudwatch-agent.s3.amazonaws.com/ubuntu/amd64/latest/amazon-cloudwatch-agent.deb</a:t>
+            </a:r>
+            <a:endParaRPr lang="da-DK" sz="1000" dirty="0">
+              <a:solidFill>
+                <a:srgbClr val="188038"/>
+              </a:solidFill>
+              <a:latin typeface="Roboto Mono"/>
+              <a:ea typeface="Roboto Mono"/>
+              <a:cs typeface="Roboto Mono"/>
+              <a:sym typeface="Roboto Mono"/>
+            </a:endParaRPr>
+          </a:p>
+          <a:p>
+            <a:pPr marL="0" indent="0">
+              <a:buNone/>
+            </a:pPr>
+            <a:r>
+              <a:rPr lang="da-DK" sz="1000" dirty="0">
+                <a:solidFill>
+                  <a:srgbClr val="188038"/>
+                </a:solidFill>
+                <a:latin typeface="Roboto Mono"/>
+                <a:ea typeface="Roboto Mono"/>
+                <a:cs typeface="Roboto Mono"/>
+                <a:sym typeface="Roboto Mono"/>
+              </a:rPr>
+              <a:t>dpkg -i -E ./amazon-cloudwatch-agent.deb</a:t>
+            </a:r>
+          </a:p>
+          <a:p>
+            <a:pPr marL="0" indent="0">
+              <a:buNone/>
+            </a:pPr>
+            <a:endParaRPr lang="da-DK" sz="1000" dirty="0">
+              <a:solidFill>
+                <a:srgbClr val="188038"/>
+              </a:solidFill>
+              <a:latin typeface="Roboto Mono"/>
+              <a:ea typeface="Roboto Mono"/>
+              <a:cs typeface="Roboto Mono"/>
+              <a:sym typeface="Roboto Mono"/>
+            </a:endParaRPr>
+          </a:p>
+          <a:p>
+            <a:pPr marL="0" indent="0">
+              <a:buNone/>
+            </a:pPr>
+            <a:endParaRPr lang="en-US" sz="1000" dirty="0">
+              <a:solidFill>
+                <a:srgbClr val="188038"/>
+              </a:solidFill>
+              <a:latin typeface="Roboto Mono"/>
+              <a:ea typeface="Roboto Mono"/>
+              <a:cs typeface="Roboto Mono"/>
+              <a:sym typeface="Roboto Mono"/>
+            </a:endParaRPr>
+          </a:p>
+          <a:p>
+            <a:pPr marL="0" indent="0">
+              <a:buNone/>
+            </a:pPr>
+            <a:r>
+              <a:rPr lang="en-US" sz="1000" dirty="0">
+                <a:solidFill>
+                  <a:srgbClr val="188038"/>
+                </a:solidFill>
+                <a:latin typeface="Roboto Mono"/>
+                <a:ea typeface="Roboto Mono"/>
+                <a:cs typeface="Roboto Mono"/>
+                <a:sym typeface="Roboto Mono"/>
+              </a:rPr>
+              <a:t>Step 2: Configure IAM Role for EC2</a:t>
+            </a:r>
+          </a:p>
+          <a:p>
+            <a:pPr marL="0" indent="0">
+              <a:buNone/>
+            </a:pPr>
+            <a:endParaRPr lang="en-US" sz="1000" dirty="0">
+              <a:solidFill>
+                <a:srgbClr val="188038"/>
+              </a:solidFill>
+              <a:latin typeface="Roboto Mono"/>
+              <a:ea typeface="Roboto Mono"/>
+              <a:cs typeface="Roboto Mono"/>
+              <a:sym typeface="Roboto Mono"/>
+            </a:endParaRPr>
+          </a:p>
+          <a:p>
+            <a:pPr marL="0" indent="0">
+              <a:buNone/>
+            </a:pPr>
+            <a:r>
+              <a:rPr lang="en-US" sz="1000" dirty="0">
+                <a:solidFill>
+                  <a:srgbClr val="188038"/>
+                </a:solidFill>
+                <a:latin typeface="Roboto Mono"/>
+                <a:ea typeface="Roboto Mono"/>
+                <a:cs typeface="Roboto Mono"/>
+                <a:sym typeface="Roboto Mono"/>
+              </a:rPr>
+              <a:t>Create a new role:</a:t>
+            </a:r>
+          </a:p>
+          <a:p>
+            <a:pPr marL="0" indent="0">
+              <a:buNone/>
+            </a:pPr>
+            <a:r>
+              <a:rPr lang="en-US" sz="1000" dirty="0">
+                <a:solidFill>
+                  <a:srgbClr val="188038"/>
+                </a:solidFill>
+                <a:latin typeface="Roboto Mono"/>
+                <a:ea typeface="Roboto Mono"/>
+                <a:cs typeface="Roboto Mono"/>
+                <a:sym typeface="Roboto Mono"/>
+              </a:rPr>
+              <a:t>Choose EC2 as the service</a:t>
+            </a:r>
+          </a:p>
+          <a:p>
+            <a:pPr marL="0" indent="0">
+              <a:buNone/>
+            </a:pPr>
+            <a:r>
+              <a:rPr lang="en-US" sz="1000" dirty="0">
+                <a:solidFill>
+                  <a:srgbClr val="188038"/>
+                </a:solidFill>
+                <a:latin typeface="Roboto Mono"/>
+                <a:ea typeface="Roboto Mono"/>
+                <a:cs typeface="Roboto Mono"/>
+                <a:sym typeface="Roboto Mono"/>
+              </a:rPr>
+              <a:t>Attach the </a:t>
+            </a:r>
+            <a:r>
+              <a:rPr lang="en-US" sz="1000" dirty="0" err="1">
+                <a:solidFill>
+                  <a:srgbClr val="188038"/>
+                </a:solidFill>
+                <a:latin typeface="Roboto Mono"/>
+                <a:ea typeface="Roboto Mono"/>
+                <a:cs typeface="Roboto Mono"/>
+                <a:sym typeface="Roboto Mono"/>
+              </a:rPr>
+              <a:t>CloudWatchLogsFullAccess</a:t>
+            </a:r>
+            <a:r>
+              <a:rPr lang="en-US" sz="1000" dirty="0">
+                <a:solidFill>
+                  <a:srgbClr val="188038"/>
+                </a:solidFill>
+                <a:latin typeface="Roboto Mono"/>
+                <a:ea typeface="Roboto Mono"/>
+                <a:cs typeface="Roboto Mono"/>
+                <a:sym typeface="Roboto Mono"/>
+              </a:rPr>
+              <a:t> policy</a:t>
+            </a:r>
+          </a:p>
+          <a:p>
+            <a:pPr marL="0" indent="0">
+              <a:buNone/>
+            </a:pPr>
+            <a:r>
+              <a:rPr lang="en-US" sz="1000" dirty="0">
+                <a:solidFill>
+                  <a:srgbClr val="188038"/>
+                </a:solidFill>
+                <a:latin typeface="Roboto Mono"/>
+                <a:ea typeface="Roboto Mono"/>
+                <a:cs typeface="Roboto Mono"/>
+                <a:sym typeface="Roboto Mono"/>
+              </a:rPr>
+              <a:t>Name the role (e.g., "EC2CloudWatchLogsRole")</a:t>
+            </a:r>
+          </a:p>
+          <a:p>
+            <a:pPr marL="0" indent="0">
+              <a:buNone/>
+            </a:pPr>
+            <a:endParaRPr lang="en-US" sz="1000" dirty="0">
+              <a:solidFill>
+                <a:srgbClr val="188038"/>
+              </a:solidFill>
+              <a:latin typeface="Roboto Mono"/>
+              <a:ea typeface="Roboto Mono"/>
+              <a:cs typeface="Roboto Mono"/>
+              <a:sym typeface="Roboto Mono"/>
+            </a:endParaRPr>
+          </a:p>
+          <a:p>
+            <a:pPr marL="0" indent="0">
+              <a:buNone/>
+            </a:pPr>
+            <a:r>
+              <a:rPr lang="en-US" sz="1000" dirty="0">
+                <a:solidFill>
+                  <a:srgbClr val="188038"/>
+                </a:solidFill>
+                <a:latin typeface="Roboto Mono"/>
+                <a:ea typeface="Roboto Mono"/>
+                <a:cs typeface="Roboto Mono"/>
+                <a:sym typeface="Roboto Mono"/>
+              </a:rPr>
+              <a:t>Attach the role to your EC2 instance:</a:t>
+            </a:r>
+          </a:p>
+          <a:p>
+            <a:pPr marL="0" indent="0">
+              <a:buNone/>
+            </a:pPr>
+            <a:r>
+              <a:rPr lang="en-US" sz="1000" dirty="0">
+                <a:solidFill>
+                  <a:srgbClr val="188038"/>
+                </a:solidFill>
+                <a:latin typeface="Roboto Mono"/>
+                <a:ea typeface="Roboto Mono"/>
+                <a:cs typeface="Roboto Mono"/>
+                <a:sym typeface="Roboto Mono"/>
+              </a:rPr>
+              <a:t>Go to EC2 Console</a:t>
+            </a:r>
+          </a:p>
+          <a:p>
+            <a:pPr marL="0" indent="0">
+              <a:buNone/>
+            </a:pPr>
+            <a:r>
+              <a:rPr lang="en-US" sz="1000" dirty="0">
+                <a:solidFill>
+                  <a:srgbClr val="188038"/>
+                </a:solidFill>
+                <a:latin typeface="Roboto Mono"/>
+                <a:ea typeface="Roboto Mono"/>
+                <a:cs typeface="Roboto Mono"/>
+                <a:sym typeface="Roboto Mono"/>
+              </a:rPr>
+              <a:t>Select your instance</a:t>
+            </a:r>
+          </a:p>
+          <a:p>
+            <a:pPr marL="0" indent="0">
+              <a:buNone/>
+            </a:pPr>
+            <a:r>
+              <a:rPr lang="en-US" sz="1000" dirty="0">
+                <a:solidFill>
+                  <a:srgbClr val="188038"/>
+                </a:solidFill>
+                <a:latin typeface="Roboto Mono"/>
+                <a:ea typeface="Roboto Mono"/>
+                <a:cs typeface="Roboto Mono"/>
+                <a:sym typeface="Roboto Mono"/>
+              </a:rPr>
+              <a:t>Actions -&gt; Security -&gt; Modify IAM Role</a:t>
+            </a:r>
+          </a:p>
+          <a:p>
+            <a:pPr marL="0" indent="0">
+              <a:buNone/>
+            </a:pPr>
+            <a:r>
+              <a:rPr lang="en-US" sz="1000" dirty="0">
+                <a:solidFill>
+                  <a:srgbClr val="188038"/>
+                </a:solidFill>
+                <a:latin typeface="Roboto Mono"/>
+                <a:ea typeface="Roboto Mono"/>
+                <a:cs typeface="Roboto Mono"/>
+                <a:sym typeface="Roboto Mono"/>
+              </a:rPr>
+              <a:t>Select the role you created</a:t>
+            </a:r>
+          </a:p>
+          <a:p>
+            <a:pPr marL="0" indent="0">
+              <a:buNone/>
+            </a:pPr>
+            <a:r>
+              <a:rPr lang="en-US" sz="1000" dirty="0">
+                <a:solidFill>
+                  <a:srgbClr val="188038"/>
+                </a:solidFill>
+                <a:latin typeface="Roboto Mono"/>
+                <a:ea typeface="Roboto Mono"/>
+                <a:cs typeface="Roboto Mono"/>
+                <a:sym typeface="Roboto Mono"/>
+              </a:rPr>
+              <a:t>Click "Save"</a:t>
+            </a:r>
+          </a:p>
+        </p:txBody>
+      </p:sp>
+    </p:spTree>
+    <p:extLst>
+      <p:ext uri="{BB962C8B-B14F-4D97-AF65-F5344CB8AC3E}">
+        <p14:creationId xmlns:p14="http://schemas.microsoft.com/office/powerpoint/2010/main" val="2218603414"/>
+      </p:ext>
+    </p:extLst>
+  </p:cSld>
+  <p:clrMapOvr>
+    <a:masterClrMapping/>
+  </p:clrMapOvr>
+</p:sld>
+</file>
+
+<file path=ppt/slides/slide11.xml><?xml version="1.0" encoding="utf-8"?>
+<p:sld xmlns:a="http://schemas.openxmlformats.org/drawingml/2006/main" xmlns:r="http://schemas.openxmlformats.org/officeDocument/2006/relationships" xmlns:p="http://schemas.openxmlformats.org/presentationml/2006/main">
+  <p:cSld>
+    <p:spTree>
+      <p:nvGrpSpPr>
+        <p:cNvPr id="1" name="Shape 315">
+          <a:extLst>
+            <a:ext uri="{FF2B5EF4-FFF2-40B4-BE49-F238E27FC236}">
+              <a16:creationId xmlns:a16="http://schemas.microsoft.com/office/drawing/2014/main" id="{14FAA432-A2EE-EB48-E135-15D3D4E0A718}"/>
+            </a:ext>
+          </a:extLst>
+        </p:cNvPr>
+        <p:cNvGrpSpPr/>
+        <p:nvPr/>
+      </p:nvGrpSpPr>
+      <p:grpSpPr>
+        <a:xfrm>
+          <a:off x="0" y="0"/>
+          <a:ext cx="0" cy="0"/>
+          <a:chOff x="0" y="0"/>
+          <a:chExt cx="0" cy="0"/>
+        </a:xfrm>
+      </p:grpSpPr>
+      <p:sp>
+        <p:nvSpPr>
+          <p:cNvPr id="316" name="Google Shape;316;p55">
+            <a:extLst>
+              <a:ext uri="{FF2B5EF4-FFF2-40B4-BE49-F238E27FC236}">
+                <a16:creationId xmlns:a16="http://schemas.microsoft.com/office/drawing/2014/main" id="{FC793BBC-9A68-93A5-748D-EE96D1358ED3}"/>
+              </a:ext>
+            </a:extLst>
+          </p:cNvPr>
+          <p:cNvSpPr txBox="1">
+            <a:spLocks noGrp="1"/>
+          </p:cNvSpPr>
+          <p:nvPr>
+            <p:ph type="title"/>
+          </p:nvPr>
+        </p:nvSpPr>
+        <p:spPr>
+          <a:xfrm>
+            <a:off x="415600" y="593367"/>
+            <a:ext cx="11360800" cy="560519"/>
+          </a:xfrm>
+          <a:prstGeom prst="rect">
+            <a:avLst/>
+          </a:prstGeom>
+        </p:spPr>
+        <p:txBody>
+          <a:bodyPr spcFirstLastPara="1" wrap="square" lIns="121900" tIns="121900" rIns="121900" bIns="121900" anchor="t" anchorCtr="0">
+            <a:noAutofit/>
+          </a:bodyPr>
+          <a:lstStyle/>
+          <a:p>
+            <a:r>
+              <a:rPr lang="en" dirty="0"/>
+              <a:t>Example:</a:t>
+            </a:r>
+            <a:endParaRPr dirty="0"/>
+          </a:p>
+        </p:txBody>
+      </p:sp>
+      <p:sp>
+        <p:nvSpPr>
+          <p:cNvPr id="317" name="Google Shape;317;p55">
+            <a:extLst>
+              <a:ext uri="{FF2B5EF4-FFF2-40B4-BE49-F238E27FC236}">
+                <a16:creationId xmlns:a16="http://schemas.microsoft.com/office/drawing/2014/main" id="{2401FB6C-C538-1565-0CB6-91420CACFDED}"/>
+              </a:ext>
+            </a:extLst>
+          </p:cNvPr>
+          <p:cNvSpPr txBox="1">
+            <a:spLocks noGrp="1"/>
+          </p:cNvSpPr>
+          <p:nvPr>
+            <p:ph type="body" idx="1"/>
+          </p:nvPr>
+        </p:nvSpPr>
+        <p:spPr>
+          <a:xfrm>
+            <a:off x="415600" y="1240970"/>
+            <a:ext cx="10992629" cy="5399315"/>
+          </a:xfrm>
+          <a:prstGeom prst="rect">
+            <a:avLst/>
+          </a:prstGeom>
+        </p:spPr>
+        <p:txBody>
+          <a:bodyPr spcFirstLastPara="1" wrap="square" lIns="121900" tIns="121900" rIns="121900" bIns="121900" anchor="t" anchorCtr="0">
+            <a:noAutofit/>
+          </a:bodyPr>
+          <a:lstStyle/>
+          <a:p>
+            <a:pPr marL="0" indent="0">
+              <a:buNone/>
+            </a:pPr>
+            <a:r>
+              <a:rPr lang="en-US" sz="1000" dirty="0">
+                <a:solidFill>
+                  <a:srgbClr val="188038"/>
+                </a:solidFill>
+                <a:latin typeface="Roboto Mono"/>
+                <a:ea typeface="Roboto Mono"/>
+                <a:cs typeface="Roboto Mono"/>
+                <a:sym typeface="Roboto Mono"/>
+              </a:rPr>
+              <a:t>Step 3: Configure CloudWatch Logs Agent</a:t>
+            </a:r>
+          </a:p>
+          <a:p>
+            <a:pPr marL="0" indent="0">
+              <a:buNone/>
+            </a:pPr>
+            <a:endParaRPr lang="en-US" sz="1000" dirty="0">
+              <a:solidFill>
+                <a:srgbClr val="188038"/>
+              </a:solidFill>
+              <a:latin typeface="Roboto Mono"/>
+              <a:ea typeface="Roboto Mono"/>
+              <a:cs typeface="Roboto Mono"/>
+              <a:sym typeface="Roboto Mono"/>
+            </a:endParaRPr>
+          </a:p>
+          <a:p>
+            <a:pPr marL="0" indent="0">
+              <a:buNone/>
+            </a:pPr>
+            <a:r>
+              <a:rPr lang="en-US" sz="1000" dirty="0">
+                <a:solidFill>
+                  <a:srgbClr val="188038"/>
+                </a:solidFill>
+                <a:latin typeface="Roboto Mono"/>
+                <a:ea typeface="Roboto Mono"/>
+                <a:cs typeface="Roboto Mono"/>
+                <a:sym typeface="Roboto Mono"/>
+              </a:rPr>
+              <a:t>Sample config file: </a:t>
+            </a:r>
+            <a:r>
+              <a:rPr lang="en-US" sz="1000" dirty="0" err="1">
+                <a:solidFill>
+                  <a:srgbClr val="188038"/>
+                </a:solidFill>
+                <a:latin typeface="Roboto Mono"/>
+                <a:ea typeface="Roboto Mono"/>
+                <a:cs typeface="Roboto Mono"/>
+                <a:sym typeface="Roboto Mono"/>
+              </a:rPr>
+              <a:t>config.json</a:t>
+            </a:r>
+            <a:endParaRPr lang="en-US" sz="1000" dirty="0">
+              <a:solidFill>
+                <a:srgbClr val="188038"/>
+              </a:solidFill>
+              <a:latin typeface="Roboto Mono"/>
+              <a:ea typeface="Roboto Mono"/>
+              <a:cs typeface="Roboto Mono"/>
+              <a:sym typeface="Roboto Mono"/>
+            </a:endParaRPr>
+          </a:p>
+          <a:p>
+            <a:pPr marL="0" indent="0">
+              <a:buNone/>
+            </a:pPr>
+            <a:endParaRPr lang="en-US" sz="1000" dirty="0">
+              <a:solidFill>
+                <a:srgbClr val="188038"/>
+              </a:solidFill>
+              <a:latin typeface="Roboto Mono"/>
+              <a:ea typeface="Roboto Mono"/>
+              <a:cs typeface="Roboto Mono"/>
+              <a:sym typeface="Roboto Mono"/>
+            </a:endParaRPr>
+          </a:p>
+          <a:p>
+            <a:pPr marL="0" indent="0">
+              <a:buNone/>
+            </a:pPr>
+            <a:r>
+              <a:rPr lang="en-US" sz="1000" dirty="0">
+                <a:solidFill>
+                  <a:srgbClr val="188038"/>
+                </a:solidFill>
+                <a:latin typeface="Roboto Mono"/>
+                <a:ea typeface="Roboto Mono"/>
+                <a:cs typeface="Roboto Mono"/>
+                <a:sym typeface="Roboto Mono"/>
+              </a:rPr>
+              <a:t>Place this file in: /opt/aws/amazon-</a:t>
+            </a:r>
+            <a:r>
+              <a:rPr lang="en-US" sz="1000" dirty="0" err="1">
+                <a:solidFill>
+                  <a:srgbClr val="188038"/>
+                </a:solidFill>
+                <a:latin typeface="Roboto Mono"/>
+                <a:ea typeface="Roboto Mono"/>
+                <a:cs typeface="Roboto Mono"/>
+                <a:sym typeface="Roboto Mono"/>
+              </a:rPr>
+              <a:t>cloudwatch</a:t>
+            </a:r>
+            <a:r>
+              <a:rPr lang="en-US" sz="1000" dirty="0">
+                <a:solidFill>
+                  <a:srgbClr val="188038"/>
+                </a:solidFill>
+                <a:latin typeface="Roboto Mono"/>
+                <a:ea typeface="Roboto Mono"/>
+                <a:cs typeface="Roboto Mono"/>
+                <a:sym typeface="Roboto Mono"/>
+              </a:rPr>
+              <a:t>-agent/</a:t>
+            </a:r>
+            <a:r>
+              <a:rPr lang="en-US" sz="1000" dirty="0" err="1">
+                <a:solidFill>
+                  <a:srgbClr val="188038"/>
+                </a:solidFill>
+                <a:latin typeface="Roboto Mono"/>
+                <a:ea typeface="Roboto Mono"/>
+                <a:cs typeface="Roboto Mono"/>
+                <a:sym typeface="Roboto Mono"/>
+              </a:rPr>
+              <a:t>etc</a:t>
+            </a:r>
+            <a:r>
+              <a:rPr lang="en-US" sz="1000" dirty="0">
+                <a:solidFill>
+                  <a:srgbClr val="188038"/>
+                </a:solidFill>
+                <a:latin typeface="Roboto Mono"/>
+                <a:ea typeface="Roboto Mono"/>
+                <a:cs typeface="Roboto Mono"/>
+                <a:sym typeface="Roboto Mono"/>
+              </a:rPr>
+              <a:t>/</a:t>
+            </a:r>
+            <a:r>
+              <a:rPr lang="en-US" sz="1000" dirty="0" err="1">
+                <a:solidFill>
+                  <a:srgbClr val="188038"/>
+                </a:solidFill>
+                <a:latin typeface="Roboto Mono"/>
+                <a:ea typeface="Roboto Mono"/>
+                <a:cs typeface="Roboto Mono"/>
+                <a:sym typeface="Roboto Mono"/>
+              </a:rPr>
+              <a:t>config.json</a:t>
+            </a:r>
+            <a:endParaRPr lang="en-US" sz="1000" dirty="0">
+              <a:solidFill>
+                <a:srgbClr val="188038"/>
+              </a:solidFill>
+              <a:latin typeface="Roboto Mono"/>
+              <a:ea typeface="Roboto Mono"/>
+              <a:cs typeface="Roboto Mono"/>
+              <a:sym typeface="Roboto Mono"/>
+            </a:endParaRPr>
+          </a:p>
+          <a:p>
+            <a:pPr marL="0" indent="0">
+              <a:buNone/>
+            </a:pPr>
+            <a:endParaRPr lang="en-US" sz="1000" dirty="0">
+              <a:solidFill>
+                <a:srgbClr val="188038"/>
+              </a:solidFill>
+              <a:latin typeface="Roboto Mono"/>
+              <a:ea typeface="Roboto Mono"/>
+              <a:cs typeface="Roboto Mono"/>
+              <a:sym typeface="Roboto Mono"/>
+            </a:endParaRPr>
+          </a:p>
+          <a:p>
+            <a:pPr marL="0" indent="0">
+              <a:buNone/>
+            </a:pPr>
+            <a:r>
+              <a:rPr lang="en-US" sz="1000" dirty="0">
+                <a:solidFill>
+                  <a:srgbClr val="188038"/>
+                </a:solidFill>
+                <a:latin typeface="Roboto Mono"/>
+                <a:ea typeface="Roboto Mono"/>
+                <a:cs typeface="Roboto Mono"/>
+                <a:sym typeface="Roboto Mono"/>
+              </a:rPr>
+              <a:t>Step 4: Update the log file permissions for </a:t>
+            </a:r>
+            <a:r>
+              <a:rPr lang="en-US" sz="1000" dirty="0" err="1">
+                <a:solidFill>
+                  <a:srgbClr val="188038"/>
+                </a:solidFill>
+                <a:latin typeface="Roboto Mono"/>
+                <a:ea typeface="Roboto Mono"/>
+                <a:cs typeface="Roboto Mono"/>
+                <a:sym typeface="Roboto Mono"/>
+              </a:rPr>
+              <a:t>cloudwatch</a:t>
+            </a:r>
+            <a:r>
+              <a:rPr lang="en-US" sz="1000" dirty="0">
+                <a:solidFill>
+                  <a:srgbClr val="188038"/>
+                </a:solidFill>
+                <a:latin typeface="Roboto Mono"/>
+                <a:ea typeface="Roboto Mono"/>
+                <a:cs typeface="Roboto Mono"/>
+                <a:sym typeface="Roboto Mono"/>
+              </a:rPr>
+              <a:t> agent’s user to read the files:</a:t>
+            </a:r>
+          </a:p>
+          <a:p>
+            <a:pPr marL="0" indent="0">
+              <a:buNone/>
+            </a:pPr>
+            <a:endParaRPr lang="en-US" sz="1000" dirty="0">
+              <a:solidFill>
+                <a:srgbClr val="188038"/>
+              </a:solidFill>
+              <a:latin typeface="Roboto Mono"/>
+              <a:ea typeface="Roboto Mono"/>
+              <a:cs typeface="Roboto Mono"/>
+              <a:sym typeface="Roboto Mono"/>
+            </a:endParaRPr>
+          </a:p>
+          <a:p>
+            <a:pPr marL="0" indent="0">
+              <a:buNone/>
+            </a:pPr>
+            <a:r>
+              <a:rPr lang="en-US" sz="1000" dirty="0" err="1">
+                <a:solidFill>
+                  <a:srgbClr val="188038"/>
+                </a:solidFill>
+                <a:latin typeface="Roboto Mono"/>
+                <a:ea typeface="Roboto Mono"/>
+                <a:cs typeface="Roboto Mono"/>
+                <a:sym typeface="Roboto Mono"/>
+              </a:rPr>
+              <a:t>chmod</a:t>
+            </a:r>
+            <a:r>
+              <a:rPr lang="en-US" sz="1000" dirty="0">
+                <a:solidFill>
+                  <a:srgbClr val="188038"/>
+                </a:solidFill>
+                <a:latin typeface="Roboto Mono"/>
+                <a:ea typeface="Roboto Mono"/>
+                <a:cs typeface="Roboto Mono"/>
+                <a:sym typeface="Roboto Mono"/>
+              </a:rPr>
+              <a:t> 644 /var/log/nginx/access.log /var/log/nginx/error.log</a:t>
+            </a:r>
+          </a:p>
+          <a:p>
+            <a:pPr marL="0" indent="0">
+              <a:buNone/>
+            </a:pPr>
+            <a:endParaRPr lang="en-US" sz="1000" dirty="0">
+              <a:solidFill>
+                <a:srgbClr val="188038"/>
+              </a:solidFill>
+              <a:latin typeface="Roboto Mono"/>
+              <a:ea typeface="Roboto Mono"/>
+              <a:cs typeface="Roboto Mono"/>
+              <a:sym typeface="Roboto Mono"/>
+            </a:endParaRPr>
+          </a:p>
+          <a:p>
+            <a:pPr marL="0" indent="0">
+              <a:buNone/>
+            </a:pPr>
+            <a:r>
+              <a:rPr lang="en-US" sz="1000" dirty="0">
+                <a:solidFill>
+                  <a:srgbClr val="188038"/>
+                </a:solidFill>
+                <a:latin typeface="Roboto Mono"/>
+                <a:ea typeface="Roboto Mono"/>
+                <a:cs typeface="Roboto Mono"/>
+                <a:sym typeface="Roboto Mono"/>
+              </a:rPr>
+              <a:t>Step 5: Start the </a:t>
+            </a:r>
+            <a:r>
+              <a:rPr lang="en-US" sz="1000" dirty="0" err="1">
+                <a:solidFill>
+                  <a:srgbClr val="188038"/>
+                </a:solidFill>
+                <a:latin typeface="Roboto Mono"/>
+                <a:ea typeface="Roboto Mono"/>
+                <a:cs typeface="Roboto Mono"/>
+                <a:sym typeface="Roboto Mono"/>
+              </a:rPr>
+              <a:t>cloudwatch</a:t>
+            </a:r>
+            <a:r>
+              <a:rPr lang="en-US" sz="1000" dirty="0">
+                <a:solidFill>
+                  <a:srgbClr val="188038"/>
+                </a:solidFill>
+                <a:latin typeface="Roboto Mono"/>
+                <a:ea typeface="Roboto Mono"/>
+                <a:cs typeface="Roboto Mono"/>
+                <a:sym typeface="Roboto Mono"/>
+              </a:rPr>
+              <a:t> service:</a:t>
+            </a:r>
+          </a:p>
+          <a:p>
+            <a:pPr marL="0" indent="0">
+              <a:buNone/>
+            </a:pPr>
+            <a:endParaRPr lang="en-US" sz="1000" dirty="0">
+              <a:solidFill>
+                <a:srgbClr val="188038"/>
+              </a:solidFill>
+              <a:latin typeface="Roboto Mono"/>
+              <a:ea typeface="Roboto Mono"/>
+              <a:cs typeface="Roboto Mono"/>
+              <a:sym typeface="Roboto Mono"/>
+            </a:endParaRPr>
+          </a:p>
+          <a:p>
+            <a:pPr marL="0" indent="0">
+              <a:buNone/>
+            </a:pPr>
+            <a:r>
+              <a:rPr lang="en-US" sz="1000" dirty="0">
+                <a:solidFill>
+                  <a:srgbClr val="188038"/>
+                </a:solidFill>
+                <a:latin typeface="Roboto Mono"/>
+                <a:ea typeface="Roboto Mono"/>
+                <a:cs typeface="Roboto Mono"/>
+                <a:sym typeface="Roboto Mono"/>
+              </a:rPr>
+              <a:t>/opt/aws/amazon-</a:t>
+            </a:r>
+            <a:r>
+              <a:rPr lang="en-US" sz="1000" dirty="0" err="1">
+                <a:solidFill>
+                  <a:srgbClr val="188038"/>
+                </a:solidFill>
+                <a:latin typeface="Roboto Mono"/>
+                <a:ea typeface="Roboto Mono"/>
+                <a:cs typeface="Roboto Mono"/>
+                <a:sym typeface="Roboto Mono"/>
+              </a:rPr>
+              <a:t>cloudwatch</a:t>
+            </a:r>
+            <a:r>
+              <a:rPr lang="en-US" sz="1000" dirty="0">
+                <a:solidFill>
+                  <a:srgbClr val="188038"/>
+                </a:solidFill>
+                <a:latin typeface="Roboto Mono"/>
+                <a:ea typeface="Roboto Mono"/>
+                <a:cs typeface="Roboto Mono"/>
+                <a:sym typeface="Roboto Mono"/>
+              </a:rPr>
+              <a:t>-agent/bin/amazon-</a:t>
+            </a:r>
+            <a:r>
+              <a:rPr lang="en-US" sz="1000" dirty="0" err="1">
+                <a:solidFill>
+                  <a:srgbClr val="188038"/>
+                </a:solidFill>
+                <a:latin typeface="Roboto Mono"/>
+                <a:ea typeface="Roboto Mono"/>
+                <a:cs typeface="Roboto Mono"/>
+                <a:sym typeface="Roboto Mono"/>
+              </a:rPr>
+              <a:t>cloudwatch</a:t>
+            </a:r>
+            <a:r>
+              <a:rPr lang="en-US" sz="1000" dirty="0">
+                <a:solidFill>
+                  <a:srgbClr val="188038"/>
+                </a:solidFill>
+                <a:latin typeface="Roboto Mono"/>
+                <a:ea typeface="Roboto Mono"/>
+                <a:cs typeface="Roboto Mono"/>
+                <a:sym typeface="Roboto Mono"/>
+              </a:rPr>
+              <a:t>-agent-</a:t>
+            </a:r>
+            <a:r>
+              <a:rPr lang="en-US" sz="1000" dirty="0" err="1">
+                <a:solidFill>
+                  <a:srgbClr val="188038"/>
+                </a:solidFill>
+                <a:latin typeface="Roboto Mono"/>
+                <a:ea typeface="Roboto Mono"/>
+                <a:cs typeface="Roboto Mono"/>
+                <a:sym typeface="Roboto Mono"/>
+              </a:rPr>
+              <a:t>ctl</a:t>
+            </a:r>
+            <a:r>
+              <a:rPr lang="en-US" sz="1000" dirty="0">
+                <a:solidFill>
+                  <a:srgbClr val="188038"/>
+                </a:solidFill>
+                <a:latin typeface="Roboto Mono"/>
+                <a:ea typeface="Roboto Mono"/>
+                <a:cs typeface="Roboto Mono"/>
+                <a:sym typeface="Roboto Mono"/>
+              </a:rPr>
+              <a:t> -a fetch-config -m ec2 -s -c file:/opt/aws/amazon-</a:t>
+            </a:r>
+            <a:r>
+              <a:rPr lang="en-US" sz="1000" dirty="0" err="1">
+                <a:solidFill>
+                  <a:srgbClr val="188038"/>
+                </a:solidFill>
+                <a:latin typeface="Roboto Mono"/>
+                <a:ea typeface="Roboto Mono"/>
+                <a:cs typeface="Roboto Mono"/>
+                <a:sym typeface="Roboto Mono"/>
+              </a:rPr>
+              <a:t>cloudwatch</a:t>
+            </a:r>
+            <a:r>
+              <a:rPr lang="en-US" sz="1000" dirty="0">
+                <a:solidFill>
+                  <a:srgbClr val="188038"/>
+                </a:solidFill>
+                <a:latin typeface="Roboto Mono"/>
+                <a:ea typeface="Roboto Mono"/>
+                <a:cs typeface="Roboto Mono"/>
+                <a:sym typeface="Roboto Mono"/>
+              </a:rPr>
+              <a:t>-agent/</a:t>
+            </a:r>
+            <a:r>
+              <a:rPr lang="en-US" sz="1000" dirty="0" err="1">
+                <a:solidFill>
+                  <a:srgbClr val="188038"/>
+                </a:solidFill>
+                <a:latin typeface="Roboto Mono"/>
+                <a:ea typeface="Roboto Mono"/>
+                <a:cs typeface="Roboto Mono"/>
+                <a:sym typeface="Roboto Mono"/>
+              </a:rPr>
+              <a:t>etc</a:t>
+            </a:r>
+            <a:r>
+              <a:rPr lang="en-US" sz="1000" dirty="0">
+                <a:solidFill>
+                  <a:srgbClr val="188038"/>
+                </a:solidFill>
+                <a:latin typeface="Roboto Mono"/>
+                <a:ea typeface="Roboto Mono"/>
+                <a:cs typeface="Roboto Mono"/>
+                <a:sym typeface="Roboto Mono"/>
+              </a:rPr>
+              <a:t>/</a:t>
+            </a:r>
+            <a:r>
+              <a:rPr lang="en-US" sz="1000" dirty="0" err="1">
+                <a:solidFill>
+                  <a:srgbClr val="188038"/>
+                </a:solidFill>
+                <a:latin typeface="Roboto Mono"/>
+                <a:ea typeface="Roboto Mono"/>
+                <a:cs typeface="Roboto Mono"/>
+                <a:sym typeface="Roboto Mono"/>
+              </a:rPr>
+              <a:t>config.json</a:t>
+            </a:r>
+            <a:endParaRPr lang="en-US" sz="1000" dirty="0">
+              <a:solidFill>
+                <a:srgbClr val="188038"/>
+              </a:solidFill>
+              <a:latin typeface="Roboto Mono"/>
+              <a:ea typeface="Roboto Mono"/>
+              <a:cs typeface="Roboto Mono"/>
+              <a:sym typeface="Roboto Mono"/>
+            </a:endParaRPr>
+          </a:p>
+          <a:p>
+            <a:pPr marL="0" indent="0">
+              <a:buNone/>
+            </a:pPr>
+            <a:endParaRPr lang="en-US" sz="1000" dirty="0">
+              <a:solidFill>
+                <a:srgbClr val="188038"/>
+              </a:solidFill>
+              <a:latin typeface="Roboto Mono"/>
+              <a:ea typeface="Roboto Mono"/>
+              <a:cs typeface="Roboto Mono"/>
+              <a:sym typeface="Roboto Mono"/>
+            </a:endParaRPr>
+          </a:p>
+          <a:p>
+            <a:pPr marL="0" indent="0">
+              <a:buNone/>
+            </a:pPr>
+            <a:r>
+              <a:rPr lang="en-US" sz="1000" dirty="0">
+                <a:solidFill>
+                  <a:srgbClr val="188038"/>
+                </a:solidFill>
+                <a:latin typeface="Roboto Mono"/>
+                <a:ea typeface="Roboto Mono"/>
+                <a:cs typeface="Roboto Mono"/>
+                <a:sym typeface="Roboto Mono"/>
+              </a:rPr>
+              <a:t>/opt/aws/amazon-</a:t>
+            </a:r>
+            <a:r>
+              <a:rPr lang="en-US" sz="1000" dirty="0" err="1">
+                <a:solidFill>
+                  <a:srgbClr val="188038"/>
+                </a:solidFill>
+                <a:latin typeface="Roboto Mono"/>
+                <a:ea typeface="Roboto Mono"/>
+                <a:cs typeface="Roboto Mono"/>
+                <a:sym typeface="Roboto Mono"/>
+              </a:rPr>
+              <a:t>cloudwatch</a:t>
+            </a:r>
+            <a:r>
+              <a:rPr lang="en-US" sz="1000" dirty="0">
+                <a:solidFill>
+                  <a:srgbClr val="188038"/>
+                </a:solidFill>
+                <a:latin typeface="Roboto Mono"/>
+                <a:ea typeface="Roboto Mono"/>
+                <a:cs typeface="Roboto Mono"/>
+                <a:sym typeface="Roboto Mono"/>
+              </a:rPr>
+              <a:t>-agent/bin/amazon-</a:t>
+            </a:r>
+            <a:r>
+              <a:rPr lang="en-US" sz="1000" dirty="0" err="1">
+                <a:solidFill>
+                  <a:srgbClr val="188038"/>
+                </a:solidFill>
+                <a:latin typeface="Roboto Mono"/>
+                <a:ea typeface="Roboto Mono"/>
+                <a:cs typeface="Roboto Mono"/>
+                <a:sym typeface="Roboto Mono"/>
+              </a:rPr>
+              <a:t>cloudwatch</a:t>
+            </a:r>
+            <a:r>
+              <a:rPr lang="en-US" sz="1000" dirty="0">
+                <a:solidFill>
+                  <a:srgbClr val="188038"/>
+                </a:solidFill>
+                <a:latin typeface="Roboto Mono"/>
+                <a:ea typeface="Roboto Mono"/>
+                <a:cs typeface="Roboto Mono"/>
+                <a:sym typeface="Roboto Mono"/>
+              </a:rPr>
+              <a:t>-agent-</a:t>
+            </a:r>
+            <a:r>
+              <a:rPr lang="en-US" sz="1000" dirty="0" err="1">
+                <a:solidFill>
+                  <a:srgbClr val="188038"/>
+                </a:solidFill>
+                <a:latin typeface="Roboto Mono"/>
+                <a:ea typeface="Roboto Mono"/>
+                <a:cs typeface="Roboto Mono"/>
+                <a:sym typeface="Roboto Mono"/>
+              </a:rPr>
+              <a:t>ctl</a:t>
+            </a:r>
+            <a:r>
+              <a:rPr lang="en-US" sz="1000" dirty="0">
+                <a:solidFill>
+                  <a:srgbClr val="188038"/>
+                </a:solidFill>
+                <a:latin typeface="Roboto Mono"/>
+                <a:ea typeface="Roboto Mono"/>
+                <a:cs typeface="Roboto Mono"/>
+                <a:sym typeface="Roboto Mono"/>
+              </a:rPr>
+              <a:t> -a start</a:t>
+            </a:r>
+          </a:p>
+          <a:p>
+            <a:pPr marL="0" indent="0">
+              <a:buNone/>
+            </a:pPr>
+            <a:endParaRPr lang="en-US" sz="1000" dirty="0">
+              <a:solidFill>
+                <a:srgbClr val="188038"/>
+              </a:solidFill>
+              <a:latin typeface="Roboto Mono"/>
+              <a:ea typeface="Roboto Mono"/>
+              <a:cs typeface="Roboto Mono"/>
+              <a:sym typeface="Roboto Mono"/>
+            </a:endParaRPr>
+          </a:p>
+          <a:p>
+            <a:pPr marL="0" indent="0">
+              <a:buNone/>
+            </a:pPr>
+            <a:r>
+              <a:rPr lang="en-US" sz="1000" dirty="0">
+                <a:solidFill>
+                  <a:srgbClr val="188038"/>
+                </a:solidFill>
+                <a:latin typeface="Roboto Mono"/>
+                <a:ea typeface="Roboto Mono"/>
+                <a:cs typeface="Roboto Mono"/>
+                <a:sym typeface="Roboto Mono"/>
+              </a:rPr>
+              <a:t>Step 6: Restart the CloudWatch Logs agent:</a:t>
+            </a:r>
+          </a:p>
+          <a:p>
+            <a:pPr marL="0" indent="0">
+              <a:buNone/>
+            </a:pPr>
+            <a:endParaRPr lang="en-US" sz="1000" dirty="0">
+              <a:solidFill>
+                <a:srgbClr val="188038"/>
+              </a:solidFill>
+              <a:latin typeface="Roboto Mono"/>
+              <a:ea typeface="Roboto Mono"/>
+              <a:cs typeface="Roboto Mono"/>
+              <a:sym typeface="Roboto Mono"/>
+            </a:endParaRPr>
+          </a:p>
+          <a:p>
+            <a:pPr marL="0" indent="0">
+              <a:buNone/>
+            </a:pPr>
+            <a:r>
+              <a:rPr lang="en-US" sz="1000" dirty="0" err="1">
+                <a:solidFill>
+                  <a:srgbClr val="188038"/>
+                </a:solidFill>
+                <a:latin typeface="Roboto Mono"/>
+                <a:ea typeface="Roboto Mono"/>
+                <a:cs typeface="Roboto Mono"/>
+                <a:sym typeface="Roboto Mono"/>
+              </a:rPr>
+              <a:t>systemctl</a:t>
+            </a:r>
+            <a:r>
+              <a:rPr lang="en-US" sz="1000" dirty="0">
+                <a:solidFill>
+                  <a:srgbClr val="188038"/>
+                </a:solidFill>
+                <a:latin typeface="Roboto Mono"/>
+                <a:ea typeface="Roboto Mono"/>
+                <a:cs typeface="Roboto Mono"/>
+                <a:sym typeface="Roboto Mono"/>
+              </a:rPr>
+              <a:t> restart </a:t>
+            </a:r>
+            <a:r>
+              <a:rPr lang="en-US" sz="1000" dirty="0" err="1">
+                <a:solidFill>
+                  <a:srgbClr val="188038"/>
+                </a:solidFill>
+                <a:latin typeface="Roboto Mono"/>
+                <a:ea typeface="Roboto Mono"/>
+                <a:cs typeface="Roboto Mono"/>
+                <a:sym typeface="Roboto Mono"/>
+              </a:rPr>
+              <a:t>awslogs</a:t>
+            </a:r>
+            <a:endParaRPr lang="en-US" sz="1000" dirty="0">
+              <a:solidFill>
+                <a:srgbClr val="188038"/>
+              </a:solidFill>
+              <a:latin typeface="Roboto Mono"/>
+              <a:ea typeface="Roboto Mono"/>
+              <a:cs typeface="Roboto Mono"/>
+              <a:sym typeface="Roboto Mono"/>
+            </a:endParaRPr>
+          </a:p>
+          <a:p>
+            <a:pPr marL="0" indent="0">
+              <a:buNone/>
+            </a:pPr>
+            <a:endParaRPr lang="en-US" sz="1000" dirty="0">
+              <a:solidFill>
+                <a:srgbClr val="188038"/>
+              </a:solidFill>
+              <a:latin typeface="Roboto Mono"/>
+              <a:ea typeface="Roboto Mono"/>
+              <a:cs typeface="Roboto Mono"/>
+              <a:sym typeface="Roboto Mono"/>
+            </a:endParaRPr>
+          </a:p>
+          <a:p>
+            <a:pPr marL="0" indent="0">
+              <a:buNone/>
+            </a:pPr>
+            <a:r>
+              <a:rPr lang="en-US" sz="1000" dirty="0">
+                <a:solidFill>
+                  <a:srgbClr val="188038"/>
+                </a:solidFill>
+                <a:latin typeface="Roboto Mono"/>
+                <a:ea typeface="Roboto Mono"/>
+                <a:cs typeface="Roboto Mono"/>
+                <a:sym typeface="Roboto Mono"/>
+              </a:rPr>
+              <a:t>Step 7: View Logs in CloudWatch Console</a:t>
+            </a:r>
+          </a:p>
+          <a:p>
+            <a:pPr marL="0" indent="0">
+              <a:buNone/>
+            </a:pPr>
+            <a:endParaRPr lang="en-US" sz="1000" dirty="0">
+              <a:solidFill>
+                <a:srgbClr val="188038"/>
+              </a:solidFill>
+              <a:latin typeface="Roboto Mono"/>
+              <a:ea typeface="Roboto Mono"/>
+              <a:cs typeface="Roboto Mono"/>
+              <a:sym typeface="Roboto Mono"/>
+            </a:endParaRPr>
+          </a:p>
+          <a:p>
+            <a:pPr marL="0" indent="0">
+              <a:buNone/>
+            </a:pPr>
+            <a:r>
+              <a:rPr lang="en-US" sz="1000" dirty="0">
+                <a:solidFill>
+                  <a:srgbClr val="188038"/>
+                </a:solidFill>
+                <a:latin typeface="Roboto Mono"/>
+                <a:ea typeface="Roboto Mono"/>
+                <a:cs typeface="Roboto Mono"/>
+                <a:sym typeface="Roboto Mono"/>
+              </a:rPr>
+              <a:t>Go to CloudWatch Console</a:t>
+            </a:r>
+          </a:p>
+          <a:p>
+            <a:pPr marL="0" indent="0">
+              <a:buNone/>
+            </a:pPr>
+            <a:r>
+              <a:rPr lang="en-US" sz="1000" dirty="0">
+                <a:solidFill>
+                  <a:srgbClr val="188038"/>
+                </a:solidFill>
+                <a:latin typeface="Roboto Mono"/>
+                <a:ea typeface="Roboto Mono"/>
+                <a:cs typeface="Roboto Mono"/>
+                <a:sym typeface="Roboto Mono"/>
+              </a:rPr>
+              <a:t>Select "Logs" in the sidebar</a:t>
+            </a:r>
+          </a:p>
+          <a:p>
+            <a:pPr marL="0" indent="0">
+              <a:buNone/>
+            </a:pPr>
+            <a:r>
+              <a:rPr lang="en-US" sz="1000" dirty="0">
+                <a:solidFill>
+                  <a:srgbClr val="188038"/>
+                </a:solidFill>
+                <a:latin typeface="Roboto Mono"/>
+                <a:ea typeface="Roboto Mono"/>
+                <a:cs typeface="Roboto Mono"/>
+                <a:sym typeface="Roboto Mono"/>
+              </a:rPr>
+              <a:t>You'll see two log groups:</a:t>
+            </a:r>
+          </a:p>
+          <a:p>
+            <a:pPr marL="171450" indent="-171450"/>
+            <a:r>
+              <a:rPr lang="en-US" sz="1000" dirty="0" err="1">
+                <a:solidFill>
+                  <a:srgbClr val="188038"/>
+                </a:solidFill>
+                <a:latin typeface="Roboto Mono"/>
+                <a:ea typeface="Roboto Mono"/>
+                <a:cs typeface="Roboto Mono"/>
+                <a:sym typeface="Roboto Mono"/>
+              </a:rPr>
+              <a:t>access_log</a:t>
+            </a:r>
+            <a:endParaRPr lang="en-US" sz="1000" dirty="0">
+              <a:solidFill>
+                <a:srgbClr val="188038"/>
+              </a:solidFill>
+              <a:latin typeface="Roboto Mono"/>
+              <a:ea typeface="Roboto Mono"/>
+              <a:cs typeface="Roboto Mono"/>
+              <a:sym typeface="Roboto Mono"/>
+            </a:endParaRPr>
+          </a:p>
+          <a:p>
+            <a:pPr marL="171450" indent="-171450"/>
+            <a:r>
+              <a:rPr lang="en-US" sz="1000" dirty="0" err="1">
+                <a:solidFill>
+                  <a:srgbClr val="188038"/>
+                </a:solidFill>
+                <a:latin typeface="Roboto Mono"/>
+                <a:ea typeface="Roboto Mono"/>
+                <a:cs typeface="Roboto Mono"/>
+                <a:sym typeface="Roboto Mono"/>
+              </a:rPr>
+              <a:t>error_log</a:t>
+            </a:r>
+            <a:endParaRPr lang="en-US" sz="1000" dirty="0">
+              <a:solidFill>
+                <a:srgbClr val="188038"/>
+              </a:solidFill>
+              <a:latin typeface="Roboto Mono"/>
+              <a:ea typeface="Roboto Mono"/>
+              <a:cs typeface="Roboto Mono"/>
+              <a:sym typeface="Roboto Mono"/>
+            </a:endParaRPr>
+          </a:p>
+          <a:p>
+            <a:pPr marL="0" indent="0">
+              <a:buNone/>
+            </a:pPr>
+            <a:endParaRPr lang="en-US" sz="1000" dirty="0">
+              <a:solidFill>
+                <a:srgbClr val="188038"/>
+              </a:solidFill>
+              <a:latin typeface="Roboto Mono"/>
+              <a:ea typeface="Roboto Mono"/>
+              <a:cs typeface="Roboto Mono"/>
+              <a:sym typeface="Roboto Mono"/>
+            </a:endParaRPr>
+          </a:p>
+          <a:p>
+            <a:pPr marL="0" indent="0">
+              <a:buNone/>
+            </a:pPr>
+            <a:r>
+              <a:rPr lang="en-US" sz="1000" dirty="0">
+                <a:solidFill>
+                  <a:srgbClr val="188038"/>
+                </a:solidFill>
+                <a:latin typeface="Roboto Mono"/>
+                <a:ea typeface="Roboto Mono"/>
+                <a:cs typeface="Roboto Mono"/>
+                <a:sym typeface="Roboto Mono"/>
+              </a:rPr>
+              <a:t>Click on either group to view the logs</a:t>
+            </a:r>
+            <a:endParaRPr lang="en-IN" sz="1000" dirty="0">
+              <a:solidFill>
+                <a:srgbClr val="188038"/>
+              </a:solidFill>
+              <a:latin typeface="Roboto Mono"/>
+              <a:ea typeface="Roboto Mono"/>
+              <a:cs typeface="Roboto Mono"/>
+              <a:sym typeface="Roboto Mono"/>
+            </a:endParaRPr>
+          </a:p>
+        </p:txBody>
+      </p:sp>
+    </p:spTree>
+    <p:extLst>
+      <p:ext uri="{BB962C8B-B14F-4D97-AF65-F5344CB8AC3E}">
+        <p14:creationId xmlns:p14="http://schemas.microsoft.com/office/powerpoint/2010/main" val="1117648174"/>
+      </p:ext>
+    </p:extLst>
+  </p:cSld>
+  <p:clrMapOvr>
+    <a:masterClrMapping/>
+  </p:clrMapOvr>
+</p:sld>
+</file>
+
 <file path=ppt/slides/slide2.xml><?xml version="1.0" encoding="utf-8"?>
 <p:sld xmlns:a="http://schemas.openxmlformats.org/drawingml/2006/main" xmlns:r="http://schemas.openxmlformats.org/officeDocument/2006/relationships" xmlns:p="http://schemas.openxmlformats.org/presentationml/2006/main">
   <p:cSld>
@@ -9185,6 +11152,716 @@
               <a:ea typeface="Roboto Mono"/>
               <a:cs typeface="Roboto Mono"/>
               <a:sym typeface="Roboto Mono"/>
+            </a:endParaRPr>
+          </a:p>
+        </p:txBody>
+      </p:sp>
+    </p:spTree>
+  </p:cSld>
+  <p:clrMapOvr>
+    <a:masterClrMapping/>
+  </p:clrMapOvr>
+</p:sld>
+</file>
+
+<file path=ppt/slides/slide8.xml><?xml version="1.0" encoding="utf-8"?>
+<p:sld xmlns:a="http://schemas.openxmlformats.org/drawingml/2006/main" xmlns:r="http://schemas.openxmlformats.org/officeDocument/2006/relationships" xmlns:p="http://schemas.openxmlformats.org/presentationml/2006/main">
+  <p:cSld>
+    <p:spTree>
+      <p:nvGrpSpPr>
+        <p:cNvPr id="1" name="Shape 315">
+          <a:extLst>
+            <a:ext uri="{FF2B5EF4-FFF2-40B4-BE49-F238E27FC236}">
+              <a16:creationId xmlns:a16="http://schemas.microsoft.com/office/drawing/2014/main" id="{28A848FF-72DD-293F-BCAE-2D81B2A4641E}"/>
+            </a:ext>
+          </a:extLst>
+        </p:cNvPr>
+        <p:cNvGrpSpPr/>
+        <p:nvPr/>
+      </p:nvGrpSpPr>
+      <p:grpSpPr>
+        <a:xfrm>
+          <a:off x="0" y="0"/>
+          <a:ext cx="0" cy="0"/>
+          <a:chOff x="0" y="0"/>
+          <a:chExt cx="0" cy="0"/>
+        </a:xfrm>
+      </p:grpSpPr>
+      <p:sp>
+        <p:nvSpPr>
+          <p:cNvPr id="316" name="Google Shape;316;p55">
+            <a:extLst>
+              <a:ext uri="{FF2B5EF4-FFF2-40B4-BE49-F238E27FC236}">
+                <a16:creationId xmlns:a16="http://schemas.microsoft.com/office/drawing/2014/main" id="{B7191C79-0BE5-5A03-E507-6C1F5F2CA533}"/>
+              </a:ext>
+            </a:extLst>
+          </p:cNvPr>
+          <p:cNvSpPr txBox="1">
+            <a:spLocks noGrp="1"/>
+          </p:cNvSpPr>
+          <p:nvPr>
+            <p:ph type="title"/>
+          </p:nvPr>
+        </p:nvSpPr>
+        <p:spPr>
+          <a:xfrm>
+            <a:off x="415600" y="593367"/>
+            <a:ext cx="11360800" cy="647603"/>
+          </a:xfrm>
+          <a:prstGeom prst="rect">
+            <a:avLst/>
+          </a:prstGeom>
+        </p:spPr>
+        <p:txBody>
+          <a:bodyPr spcFirstLastPara="1" wrap="square" lIns="121900" tIns="121900" rIns="121900" bIns="121900" anchor="t" anchorCtr="0">
+            <a:noAutofit/>
+          </a:bodyPr>
+          <a:lstStyle/>
+          <a:p>
+            <a:r>
+              <a:rPr lang="en" dirty="0"/>
+              <a:t>Cont..</a:t>
+            </a:r>
+            <a:endParaRPr dirty="0"/>
+          </a:p>
+        </p:txBody>
+      </p:sp>
+      <p:sp>
+        <p:nvSpPr>
+          <p:cNvPr id="317" name="Google Shape;317;p55">
+            <a:extLst>
+              <a:ext uri="{FF2B5EF4-FFF2-40B4-BE49-F238E27FC236}">
+                <a16:creationId xmlns:a16="http://schemas.microsoft.com/office/drawing/2014/main" id="{2B93D5E6-60E5-3624-C922-85AC2561CD87}"/>
+              </a:ext>
+            </a:extLst>
+          </p:cNvPr>
+          <p:cNvSpPr txBox="1">
+            <a:spLocks noGrp="1"/>
+          </p:cNvSpPr>
+          <p:nvPr>
+            <p:ph type="body" idx="1"/>
+          </p:nvPr>
+        </p:nvSpPr>
+        <p:spPr>
+          <a:xfrm>
+            <a:off x="415600" y="1240970"/>
+            <a:ext cx="10992629" cy="3058887"/>
+          </a:xfrm>
+          <a:prstGeom prst="rect">
+            <a:avLst/>
+          </a:prstGeom>
+        </p:spPr>
+        <p:txBody>
+          <a:bodyPr spcFirstLastPara="1" wrap="square" lIns="121900" tIns="121900" rIns="121900" bIns="121900" anchor="t" anchorCtr="0">
+            <a:noAutofit/>
+          </a:bodyPr>
+          <a:lstStyle/>
+          <a:p>
+            <a:pPr marL="0" indent="0">
+              <a:buNone/>
+            </a:pPr>
+            <a:r>
+              <a:rPr lang="en-US" sz="1000" dirty="0">
+                <a:solidFill>
+                  <a:srgbClr val="188038"/>
+                </a:solidFill>
+                <a:latin typeface="Roboto Mono"/>
+                <a:ea typeface="Roboto Mono"/>
+                <a:cs typeface="Roboto Mono"/>
+                <a:sym typeface="Roboto Mono"/>
+              </a:rPr>
+              <a:t>Generate load on your EC2 instance to increase CPU usage above 80%</a:t>
+            </a:r>
+          </a:p>
+          <a:p>
+            <a:pPr marL="0" indent="0">
+              <a:buNone/>
+            </a:pPr>
+            <a:r>
+              <a:rPr lang="en-US" sz="1000" dirty="0">
+                <a:solidFill>
+                  <a:srgbClr val="188038"/>
+                </a:solidFill>
+                <a:latin typeface="Roboto Mono"/>
+                <a:ea typeface="Roboto Mono"/>
+                <a:cs typeface="Roboto Mono"/>
+                <a:sym typeface="Roboto Mono"/>
+              </a:rPr>
+              <a:t>Wait for 5 minutes</a:t>
+            </a:r>
+          </a:p>
+          <a:p>
+            <a:pPr marL="0" indent="0">
+              <a:buNone/>
+            </a:pPr>
+            <a:r>
+              <a:rPr lang="en-US" sz="1000" dirty="0">
+                <a:solidFill>
+                  <a:srgbClr val="188038"/>
+                </a:solidFill>
+                <a:latin typeface="Roboto Mono"/>
+                <a:ea typeface="Roboto Mono"/>
+                <a:cs typeface="Roboto Mono"/>
+                <a:sym typeface="Roboto Mono"/>
+              </a:rPr>
+              <a:t>Check your email for the alarm notification</a:t>
+            </a:r>
+          </a:p>
+          <a:p>
+            <a:pPr marL="0" indent="0">
+              <a:buNone/>
+            </a:pPr>
+            <a:endParaRPr lang="en-US" sz="1000" dirty="0">
+              <a:solidFill>
+                <a:srgbClr val="188038"/>
+              </a:solidFill>
+              <a:latin typeface="Roboto Mono"/>
+              <a:ea typeface="Roboto Mono"/>
+              <a:cs typeface="Roboto Mono"/>
+              <a:sym typeface="Roboto Mono"/>
+            </a:endParaRPr>
+          </a:p>
+          <a:p>
+            <a:pPr marL="0" indent="0">
+              <a:buNone/>
+            </a:pPr>
+            <a:r>
+              <a:rPr lang="en-US" sz="1000" dirty="0">
+                <a:solidFill>
+                  <a:srgbClr val="188038"/>
+                </a:solidFill>
+                <a:latin typeface="Roboto Mono"/>
+                <a:ea typeface="Roboto Mono"/>
+                <a:cs typeface="Roboto Mono"/>
+                <a:sym typeface="Roboto Mono"/>
+              </a:rPr>
+              <a:t>Commands to generate load for testing:</a:t>
+            </a:r>
+          </a:p>
+          <a:p>
+            <a:pPr marL="0" indent="0">
+              <a:buNone/>
+            </a:pPr>
+            <a:endParaRPr lang="en-US" sz="1000" dirty="0">
+              <a:solidFill>
+                <a:srgbClr val="188038"/>
+              </a:solidFill>
+              <a:latin typeface="Roboto Mono"/>
+              <a:ea typeface="Roboto Mono"/>
+              <a:cs typeface="Roboto Mono"/>
+              <a:sym typeface="Roboto Mono"/>
+            </a:endParaRPr>
+          </a:p>
+          <a:p>
+            <a:pPr marL="0" indent="0">
+              <a:buNone/>
+            </a:pPr>
+            <a:r>
+              <a:rPr lang="en-US" sz="1000" dirty="0">
+                <a:solidFill>
+                  <a:srgbClr val="188038"/>
+                </a:solidFill>
+                <a:latin typeface="Roboto Mono"/>
+                <a:ea typeface="Roboto Mono"/>
+                <a:cs typeface="Roboto Mono"/>
+                <a:sym typeface="Roboto Mono"/>
+              </a:rPr>
+              <a:t># Install stress-ng</a:t>
+            </a:r>
+          </a:p>
+          <a:p>
+            <a:pPr marL="0" indent="0">
+              <a:buNone/>
+            </a:pPr>
+            <a:r>
+              <a:rPr lang="en-US" sz="1000" dirty="0" err="1">
+                <a:solidFill>
+                  <a:srgbClr val="188038"/>
+                </a:solidFill>
+                <a:latin typeface="Roboto Mono"/>
+                <a:ea typeface="Roboto Mono"/>
+                <a:cs typeface="Roboto Mono"/>
+                <a:sym typeface="Roboto Mono"/>
+              </a:rPr>
+              <a:t>sudo</a:t>
+            </a:r>
+            <a:r>
+              <a:rPr lang="en-US" sz="1000" dirty="0">
+                <a:solidFill>
+                  <a:srgbClr val="188038"/>
+                </a:solidFill>
+                <a:latin typeface="Roboto Mono"/>
+                <a:ea typeface="Roboto Mono"/>
+                <a:cs typeface="Roboto Mono"/>
+                <a:sym typeface="Roboto Mono"/>
+              </a:rPr>
+              <a:t> apt-get update</a:t>
+            </a:r>
+          </a:p>
+          <a:p>
+            <a:pPr marL="0" indent="0">
+              <a:buNone/>
+            </a:pPr>
+            <a:r>
+              <a:rPr lang="en-US" sz="1000" dirty="0" err="1">
+                <a:solidFill>
+                  <a:srgbClr val="188038"/>
+                </a:solidFill>
+                <a:latin typeface="Roboto Mono"/>
+                <a:ea typeface="Roboto Mono"/>
+                <a:cs typeface="Roboto Mono"/>
+                <a:sym typeface="Roboto Mono"/>
+              </a:rPr>
+              <a:t>sudo</a:t>
+            </a:r>
+            <a:r>
+              <a:rPr lang="en-US" sz="1000" dirty="0">
+                <a:solidFill>
+                  <a:srgbClr val="188038"/>
+                </a:solidFill>
+                <a:latin typeface="Roboto Mono"/>
+                <a:ea typeface="Roboto Mono"/>
+                <a:cs typeface="Roboto Mono"/>
+                <a:sym typeface="Roboto Mono"/>
+              </a:rPr>
+              <a:t> apt-get install stress-ng</a:t>
+            </a:r>
+          </a:p>
+          <a:p>
+            <a:pPr marL="0" indent="0">
+              <a:buNone/>
+            </a:pPr>
+            <a:endParaRPr lang="en-US" sz="1000" dirty="0">
+              <a:solidFill>
+                <a:srgbClr val="188038"/>
+              </a:solidFill>
+              <a:latin typeface="Roboto Mono"/>
+              <a:ea typeface="Roboto Mono"/>
+              <a:cs typeface="Roboto Mono"/>
+              <a:sym typeface="Roboto Mono"/>
+            </a:endParaRPr>
+          </a:p>
+          <a:p>
+            <a:pPr marL="0" indent="0">
+              <a:buNone/>
+            </a:pPr>
+            <a:r>
+              <a:rPr lang="en-US" sz="1000" dirty="0">
+                <a:solidFill>
+                  <a:srgbClr val="188038"/>
+                </a:solidFill>
+                <a:latin typeface="Roboto Mono"/>
+                <a:ea typeface="Roboto Mono"/>
+                <a:cs typeface="Roboto Mono"/>
+                <a:sym typeface="Roboto Mono"/>
+              </a:rPr>
+              <a:t># Generate CPU load (this will use 2 CPU workers for 300 seconds)</a:t>
+            </a:r>
+          </a:p>
+          <a:p>
+            <a:pPr marL="0" indent="0">
+              <a:buNone/>
+            </a:pPr>
+            <a:r>
+              <a:rPr lang="en-US" sz="1000" dirty="0">
+                <a:solidFill>
+                  <a:srgbClr val="188038"/>
+                </a:solidFill>
+                <a:latin typeface="Roboto Mono"/>
+                <a:ea typeface="Roboto Mono"/>
+                <a:cs typeface="Roboto Mono"/>
+                <a:sym typeface="Roboto Mono"/>
+              </a:rPr>
+              <a:t>stress-ng --</a:t>
+            </a:r>
+            <a:r>
+              <a:rPr lang="en-US" sz="1000" dirty="0" err="1">
+                <a:solidFill>
+                  <a:srgbClr val="188038"/>
+                </a:solidFill>
+                <a:latin typeface="Roboto Mono"/>
+                <a:ea typeface="Roboto Mono"/>
+                <a:cs typeface="Roboto Mono"/>
+                <a:sym typeface="Roboto Mono"/>
+              </a:rPr>
+              <a:t>cpu</a:t>
+            </a:r>
+            <a:r>
+              <a:rPr lang="en-US" sz="1000" dirty="0">
+                <a:solidFill>
+                  <a:srgbClr val="188038"/>
+                </a:solidFill>
+                <a:latin typeface="Roboto Mono"/>
+                <a:ea typeface="Roboto Mono"/>
+                <a:cs typeface="Roboto Mono"/>
+                <a:sym typeface="Roboto Mono"/>
+              </a:rPr>
+              <a:t> 2 --timeout 300</a:t>
+            </a:r>
+          </a:p>
+          <a:p>
+            <a:pPr marL="0" indent="0">
+              <a:buNone/>
+            </a:pPr>
+            <a:endParaRPr lang="en-US" sz="1000" dirty="0">
+              <a:solidFill>
+                <a:srgbClr val="188038"/>
+              </a:solidFill>
+              <a:latin typeface="Roboto Mono"/>
+              <a:ea typeface="Roboto Mono"/>
+              <a:cs typeface="Roboto Mono"/>
+              <a:sym typeface="Roboto Mono"/>
+            </a:endParaRPr>
+          </a:p>
+          <a:p>
+            <a:pPr marL="0" indent="0">
+              <a:buNone/>
+            </a:pPr>
+            <a:endParaRPr lang="en-IN" sz="1000" dirty="0">
+              <a:solidFill>
+                <a:srgbClr val="188038"/>
+              </a:solidFill>
+              <a:latin typeface="Roboto Mono"/>
+              <a:ea typeface="Roboto Mono"/>
+              <a:cs typeface="Roboto Mono"/>
+              <a:sym typeface="Roboto Mono"/>
+            </a:endParaRPr>
+          </a:p>
+        </p:txBody>
+      </p:sp>
+    </p:spTree>
+    <p:extLst>
+      <p:ext uri="{BB962C8B-B14F-4D97-AF65-F5344CB8AC3E}">
+        <p14:creationId xmlns:p14="http://schemas.microsoft.com/office/powerpoint/2010/main" val="84681948"/>
+      </p:ext>
+    </p:extLst>
+  </p:cSld>
+  <p:clrMapOvr>
+    <a:masterClrMapping/>
+  </p:clrMapOvr>
+</p:sld>
+</file>
+
+<file path=ppt/slides/slide9.xml><?xml version="1.0" encoding="utf-8"?>
+<p:sld xmlns:a="http://schemas.openxmlformats.org/drawingml/2006/main" xmlns:r="http://schemas.openxmlformats.org/officeDocument/2006/relationships" xmlns:p="http://schemas.openxmlformats.org/presentationml/2006/main">
+  <p:cSld>
+    <p:spTree>
+      <p:nvGrpSpPr>
+        <p:cNvPr id="1" name="Shape 321"/>
+        <p:cNvGrpSpPr/>
+        <p:nvPr/>
+      </p:nvGrpSpPr>
+      <p:grpSpPr>
+        <a:xfrm>
+          <a:off x="0" y="0"/>
+          <a:ext cx="0" cy="0"/>
+          <a:chOff x="0" y="0"/>
+          <a:chExt cx="0" cy="0"/>
+        </a:xfrm>
+      </p:grpSpPr>
+      <p:sp>
+        <p:nvSpPr>
+          <p:cNvPr id="322" name="Google Shape;322;p56"/>
+          <p:cNvSpPr txBox="1">
+            <a:spLocks noGrp="1"/>
+          </p:cNvSpPr>
+          <p:nvPr>
+            <p:ph type="title"/>
+          </p:nvPr>
+        </p:nvSpPr>
+        <p:spPr>
+          <a:xfrm>
+            <a:off x="415600" y="593367"/>
+            <a:ext cx="11360800" cy="817600"/>
+          </a:xfrm>
+          <a:prstGeom prst="rect">
+            <a:avLst/>
+          </a:prstGeom>
+        </p:spPr>
+        <p:txBody>
+          <a:bodyPr spcFirstLastPara="1" wrap="square" lIns="121900" tIns="121900" rIns="121900" bIns="121900" anchor="t" anchorCtr="0">
+            <a:noAutofit/>
+          </a:bodyPr>
+          <a:lstStyle/>
+          <a:p>
+            <a:r>
+              <a:rPr lang="en"/>
+              <a:t>CloudWatch Logs </a:t>
+            </a:r>
+            <a:endParaRPr/>
+          </a:p>
+        </p:txBody>
+      </p:sp>
+      <p:sp>
+        <p:nvSpPr>
+          <p:cNvPr id="323" name="Google Shape;323;p56"/>
+          <p:cNvSpPr txBox="1">
+            <a:spLocks noGrp="1"/>
+          </p:cNvSpPr>
+          <p:nvPr>
+            <p:ph type="body" idx="1"/>
+          </p:nvPr>
+        </p:nvSpPr>
+        <p:spPr>
+          <a:xfrm>
+            <a:off x="491800" y="1410966"/>
+            <a:ext cx="11360800" cy="5283747"/>
+          </a:xfrm>
+          <a:prstGeom prst="rect">
+            <a:avLst/>
+          </a:prstGeom>
+        </p:spPr>
+        <p:txBody>
+          <a:bodyPr spcFirstLastPara="1" wrap="square" lIns="121900" tIns="121900" rIns="121900" bIns="121900" anchor="t" anchorCtr="0">
+            <a:noAutofit/>
+          </a:bodyPr>
+          <a:lstStyle/>
+          <a:p>
+            <a:pPr marL="0" indent="0">
+              <a:spcBef>
+                <a:spcPts val="1600"/>
+              </a:spcBef>
+              <a:buNone/>
+            </a:pPr>
+            <a:r>
+              <a:rPr lang="en" sz="1200" dirty="0">
+                <a:latin typeface="Arial"/>
+                <a:ea typeface="Arial"/>
+                <a:cs typeface="Arial"/>
+                <a:sym typeface="Arial"/>
+              </a:rPr>
+              <a:t>AWS </a:t>
+            </a:r>
+            <a:r>
+              <a:rPr lang="en" sz="1200" b="1" dirty="0">
+                <a:latin typeface="Arial"/>
+                <a:ea typeface="Arial"/>
+                <a:cs typeface="Arial"/>
+                <a:sym typeface="Arial"/>
+              </a:rPr>
+              <a:t>CloudWatch Logs</a:t>
+            </a:r>
+            <a:r>
+              <a:rPr lang="en" sz="1200" dirty="0">
+                <a:latin typeface="Arial"/>
+                <a:ea typeface="Arial"/>
+                <a:cs typeface="Arial"/>
+                <a:sym typeface="Arial"/>
+              </a:rPr>
+              <a:t> provides a central location to monitor, store, and access log files from AWS resources and applications. It helps you analyze logs in real-time and store them for future use. CloudWatch Logs allows you to collect and manage logs from various AWS services and custom applications, providing insights into your infrastructure and application performance.</a:t>
+            </a:r>
+            <a:endParaRPr sz="1200" dirty="0">
+              <a:latin typeface="Arial"/>
+              <a:ea typeface="Arial"/>
+              <a:cs typeface="Arial"/>
+              <a:sym typeface="Arial"/>
+            </a:endParaRPr>
+          </a:p>
+          <a:p>
+            <a:pPr marL="0" indent="0">
+              <a:spcBef>
+                <a:spcPts val="1600"/>
+              </a:spcBef>
+              <a:buNone/>
+            </a:pPr>
+            <a:r>
+              <a:rPr lang="en" sz="1200" b="1" dirty="0">
+                <a:latin typeface="Arial"/>
+                <a:ea typeface="Arial"/>
+                <a:cs typeface="Arial"/>
+                <a:sym typeface="Arial"/>
+              </a:rPr>
+              <a:t>Nginx Logs from EC2 instance:</a:t>
+            </a:r>
+            <a:endParaRPr sz="1200" b="1" dirty="0">
+              <a:latin typeface="Arial"/>
+              <a:ea typeface="Arial"/>
+              <a:cs typeface="Arial"/>
+              <a:sym typeface="Arial"/>
+            </a:endParaRPr>
+          </a:p>
+          <a:p>
+            <a:pPr indent="-397923">
+              <a:spcBef>
+                <a:spcPts val="1600"/>
+              </a:spcBef>
+              <a:buSzPts val="1100"/>
+              <a:buFont typeface="Arial"/>
+              <a:buChar char="●"/>
+            </a:pPr>
+            <a:r>
+              <a:rPr lang="en-US" sz="1200" dirty="0">
+                <a:latin typeface="Arial"/>
+                <a:cs typeface="Arial"/>
+                <a:sym typeface="Arial"/>
+              </a:rPr>
+              <a:t>Nginx server logs can be automatically sent to CloudWatch Logs using the CloudWatch Logs agent</a:t>
+            </a:r>
+          </a:p>
+          <a:p>
+            <a:pPr indent="-397923">
+              <a:spcBef>
+                <a:spcPts val="1600"/>
+              </a:spcBef>
+              <a:buSzPts val="1100"/>
+              <a:buFont typeface="Arial"/>
+              <a:buChar char="●"/>
+            </a:pPr>
+            <a:r>
+              <a:rPr lang="en-US" sz="1200" dirty="0">
+                <a:latin typeface="Arial"/>
+                <a:cs typeface="Arial"/>
+                <a:sym typeface="Arial"/>
+              </a:rPr>
+              <a:t>These logs include:</a:t>
+            </a:r>
+          </a:p>
+          <a:p>
+            <a:pPr lvl="1" indent="-397923">
+              <a:spcBef>
+                <a:spcPts val="1600"/>
+              </a:spcBef>
+              <a:buSzPts val="1100"/>
+              <a:buFont typeface="Arial"/>
+              <a:buChar char="●"/>
+            </a:pPr>
+            <a:r>
+              <a:rPr lang="en-US" sz="1200" dirty="0">
+                <a:latin typeface="Arial"/>
+                <a:cs typeface="Arial"/>
+                <a:sym typeface="Arial"/>
+              </a:rPr>
+              <a:t>Access logs (HTTP requests, client IPs, response codes, request timing)</a:t>
+            </a:r>
+          </a:p>
+          <a:p>
+            <a:pPr lvl="1" indent="-397923">
+              <a:spcBef>
+                <a:spcPts val="1600"/>
+              </a:spcBef>
+              <a:buSzPts val="1100"/>
+              <a:buFont typeface="Arial"/>
+              <a:buChar char="●"/>
+            </a:pPr>
+            <a:r>
+              <a:rPr lang="en-US" sz="1200" dirty="0">
+                <a:latin typeface="Arial"/>
+                <a:cs typeface="Arial"/>
+                <a:sym typeface="Arial"/>
+              </a:rPr>
+              <a:t>Error logs (server issues, failed requests, configuration problems)</a:t>
+            </a:r>
+          </a:p>
+          <a:p>
+            <a:pPr lvl="1" indent="-397923">
+              <a:spcBef>
+                <a:spcPts val="1600"/>
+              </a:spcBef>
+              <a:buSzPts val="1100"/>
+              <a:buFont typeface="Arial"/>
+              <a:buChar char="●"/>
+            </a:pPr>
+            <a:r>
+              <a:rPr lang="en-US" sz="1200" dirty="0">
+                <a:latin typeface="Arial"/>
+                <a:cs typeface="Arial"/>
+                <a:sym typeface="Arial"/>
+              </a:rPr>
+              <a:t>Custom log formats and application-specific logging</a:t>
+            </a:r>
+          </a:p>
+          <a:p>
+            <a:pPr indent="-397923">
+              <a:spcBef>
+                <a:spcPts val="1600"/>
+              </a:spcBef>
+              <a:buSzPts val="1100"/>
+              <a:buFont typeface="Arial"/>
+              <a:buChar char="●"/>
+            </a:pPr>
+            <a:r>
+              <a:rPr lang="en-US" sz="1200" dirty="0">
+                <a:latin typeface="Arial"/>
+                <a:cs typeface="Arial"/>
+                <a:sym typeface="Arial"/>
+              </a:rPr>
+              <a:t>Logs can be monitored in real-time through the CloudWatch console</a:t>
+            </a:r>
+          </a:p>
+          <a:p>
+            <a:pPr indent="-397923">
+              <a:spcBef>
+                <a:spcPts val="1600"/>
+              </a:spcBef>
+              <a:buSzPts val="1100"/>
+              <a:buFont typeface="Arial"/>
+              <a:buChar char="●"/>
+            </a:pPr>
+            <a:r>
+              <a:rPr lang="en-US" sz="1200" dirty="0">
+                <a:latin typeface="Arial"/>
+                <a:cs typeface="Arial"/>
+                <a:sym typeface="Arial"/>
+              </a:rPr>
+              <a:t>Enables creation of metrics and alerts based on log patterns (e.g., spike in 404 errors or slow response times)</a:t>
+            </a:r>
+          </a:p>
+          <a:p>
+            <a:pPr indent="-397923">
+              <a:spcBef>
+                <a:spcPts val="1600"/>
+              </a:spcBef>
+              <a:buSzPts val="1100"/>
+              <a:buFont typeface="Arial"/>
+              <a:buChar char="●"/>
+            </a:pPr>
+            <a:r>
+              <a:rPr lang="en-US" sz="1200" dirty="0">
+                <a:latin typeface="Arial"/>
+                <a:cs typeface="Arial"/>
+                <a:sym typeface="Arial"/>
+              </a:rPr>
+              <a:t>Retention policies can be set for compliance and cost management</a:t>
+            </a:r>
+          </a:p>
+          <a:p>
+            <a:pPr indent="-397923">
+              <a:spcBef>
+                <a:spcPts val="1600"/>
+              </a:spcBef>
+              <a:buSzPts val="1100"/>
+              <a:buFont typeface="Arial"/>
+              <a:buChar char="●"/>
+            </a:pPr>
+            <a:r>
+              <a:rPr lang="en-US" sz="1200" dirty="0">
+                <a:latin typeface="Arial"/>
+                <a:cs typeface="Arial"/>
+                <a:sym typeface="Arial"/>
+              </a:rPr>
+              <a:t>Supports log analysis and troubleshooting across multiple EC2 instances running Nginx</a:t>
+            </a:r>
+            <a:endParaRPr sz="1200" dirty="0">
+              <a:latin typeface="Arial"/>
+              <a:cs typeface="Arial"/>
+              <a:sym typeface="Arial"/>
+            </a:endParaRPr>
+          </a:p>
+          <a:p>
+            <a:pPr marL="0" indent="0">
+              <a:spcBef>
+                <a:spcPts val="1600"/>
+              </a:spcBef>
+              <a:spcAft>
+                <a:spcPts val="267"/>
+              </a:spcAft>
+              <a:buNone/>
+            </a:pPr>
+            <a:endParaRPr sz="1200" dirty="0">
+              <a:latin typeface="Arial"/>
+              <a:ea typeface="Arial"/>
+              <a:cs typeface="Arial"/>
+              <a:sym typeface="Arial"/>
             </a:endParaRPr>
           </a:p>
         </p:txBody>
